--- a/20181019-20181026-张雁君.pptx
+++ b/20181019-20181026-张雁君.pptx
@@ -7,6 +7,7 @@
   <p:sldIdLst>
     <p:sldId id="256" r:id="rId2"/>
     <p:sldId id="257" r:id="rId3"/>
+    <p:sldId id="258" r:id="rId4"/>
   </p:sldIdLst>
   <p:sldSz cx="12192000" cy="6858000"/>
   <p:notesSz cx="6858000" cy="9144000"/>
@@ -260,7 +261,7 @@
           <a:p>
             <a:fld id="{586B6464-ABB4-47C4-98EB-DAD22724289E}" type="datetimeFigureOut">
               <a:rPr lang="zh-CN" altLang="en-US" smtClean="0"/>
-              <a:t>2018/10/22</a:t>
+              <a:t>2018/10/23</a:t>
             </a:fld>
             <a:endParaRPr lang="zh-CN" altLang="en-US"/>
           </a:p>
@@ -458,7 +459,7 @@
           <a:p>
             <a:fld id="{586B6464-ABB4-47C4-98EB-DAD22724289E}" type="datetimeFigureOut">
               <a:rPr lang="zh-CN" altLang="en-US" smtClean="0"/>
-              <a:t>2018/10/22</a:t>
+              <a:t>2018/10/23</a:t>
             </a:fld>
             <a:endParaRPr lang="zh-CN" altLang="en-US"/>
           </a:p>
@@ -666,7 +667,7 @@
           <a:p>
             <a:fld id="{586B6464-ABB4-47C4-98EB-DAD22724289E}" type="datetimeFigureOut">
               <a:rPr lang="zh-CN" altLang="en-US" smtClean="0"/>
-              <a:t>2018/10/22</a:t>
+              <a:t>2018/10/23</a:t>
             </a:fld>
             <a:endParaRPr lang="zh-CN" altLang="en-US"/>
           </a:p>
@@ -864,7 +865,7 @@
           <a:p>
             <a:fld id="{586B6464-ABB4-47C4-98EB-DAD22724289E}" type="datetimeFigureOut">
               <a:rPr lang="zh-CN" altLang="en-US" smtClean="0"/>
-              <a:t>2018/10/22</a:t>
+              <a:t>2018/10/23</a:t>
             </a:fld>
             <a:endParaRPr lang="zh-CN" altLang="en-US"/>
           </a:p>
@@ -1139,7 +1140,7 @@
           <a:p>
             <a:fld id="{586B6464-ABB4-47C4-98EB-DAD22724289E}" type="datetimeFigureOut">
               <a:rPr lang="zh-CN" altLang="en-US" smtClean="0"/>
-              <a:t>2018/10/22</a:t>
+              <a:t>2018/10/23</a:t>
             </a:fld>
             <a:endParaRPr lang="zh-CN" altLang="en-US"/>
           </a:p>
@@ -1404,7 +1405,7 @@
           <a:p>
             <a:fld id="{586B6464-ABB4-47C4-98EB-DAD22724289E}" type="datetimeFigureOut">
               <a:rPr lang="zh-CN" altLang="en-US" smtClean="0"/>
-              <a:t>2018/10/22</a:t>
+              <a:t>2018/10/23</a:t>
             </a:fld>
             <a:endParaRPr lang="zh-CN" altLang="en-US"/>
           </a:p>
@@ -1816,7 +1817,7 @@
           <a:p>
             <a:fld id="{586B6464-ABB4-47C4-98EB-DAD22724289E}" type="datetimeFigureOut">
               <a:rPr lang="zh-CN" altLang="en-US" smtClean="0"/>
-              <a:t>2018/10/22</a:t>
+              <a:t>2018/10/23</a:t>
             </a:fld>
             <a:endParaRPr lang="zh-CN" altLang="en-US"/>
           </a:p>
@@ -1957,7 +1958,7 @@
           <a:p>
             <a:fld id="{586B6464-ABB4-47C4-98EB-DAD22724289E}" type="datetimeFigureOut">
               <a:rPr lang="zh-CN" altLang="en-US" smtClean="0"/>
-              <a:t>2018/10/22</a:t>
+              <a:t>2018/10/23</a:t>
             </a:fld>
             <a:endParaRPr lang="zh-CN" altLang="en-US"/>
           </a:p>
@@ -2070,7 +2071,7 @@
           <a:p>
             <a:fld id="{586B6464-ABB4-47C4-98EB-DAD22724289E}" type="datetimeFigureOut">
               <a:rPr lang="zh-CN" altLang="en-US" smtClean="0"/>
-              <a:t>2018/10/22</a:t>
+              <a:t>2018/10/23</a:t>
             </a:fld>
             <a:endParaRPr lang="zh-CN" altLang="en-US"/>
           </a:p>
@@ -2381,7 +2382,7 @@
           <a:p>
             <a:fld id="{586B6464-ABB4-47C4-98EB-DAD22724289E}" type="datetimeFigureOut">
               <a:rPr lang="zh-CN" altLang="en-US" smtClean="0"/>
-              <a:t>2018/10/22</a:t>
+              <a:t>2018/10/23</a:t>
             </a:fld>
             <a:endParaRPr lang="zh-CN" altLang="en-US"/>
           </a:p>
@@ -2669,7 +2670,7 @@
           <a:p>
             <a:fld id="{586B6464-ABB4-47C4-98EB-DAD22724289E}" type="datetimeFigureOut">
               <a:rPr lang="zh-CN" altLang="en-US" smtClean="0"/>
-              <a:t>2018/10/22</a:t>
+              <a:t>2018/10/23</a:t>
             </a:fld>
             <a:endParaRPr lang="zh-CN" altLang="en-US"/>
           </a:p>
@@ -2910,7 +2911,7 @@
           <a:p>
             <a:fld id="{586B6464-ABB4-47C4-98EB-DAD22724289E}" type="datetimeFigureOut">
               <a:rPr lang="zh-CN" altLang="en-US" smtClean="0"/>
-              <a:t>2018/10/22</a:t>
+              <a:t>2018/10/23</a:t>
             </a:fld>
             <a:endParaRPr lang="zh-CN" altLang="en-US"/>
           </a:p>
@@ -3692,6 +3693,178 @@
           </a:p>
         </p:txBody>
       </p:sp>
+      <p:sp>
+        <p:nvSpPr>
+          <p:cNvPr id="5" name="文本框 4">
+            <a:extLst>
+              <a:ext uri="{FF2B5EF4-FFF2-40B4-BE49-F238E27FC236}">
+                <a16:creationId xmlns:a16="http://schemas.microsoft.com/office/drawing/2014/main" id="{83301EAA-DEA7-4AE9-97E0-D1C7465B0000}"/>
+              </a:ext>
+            </a:extLst>
+          </p:cNvPr>
+          <p:cNvSpPr txBox="1"/>
+          <p:nvPr/>
+        </p:nvSpPr>
+        <p:spPr>
+          <a:xfrm>
+            <a:off x="6503437" y="2481943"/>
+            <a:ext cx="5110065" cy="646331"/>
+          </a:xfrm>
+          <a:prstGeom prst="rect">
+            <a:avLst/>
+          </a:prstGeom>
+          <a:noFill/>
+        </p:spPr>
+        <p:txBody>
+          <a:bodyPr wrap="square" rtlCol="0">
+            <a:spAutoFit/>
+          </a:bodyPr>
+          <a:lstStyle/>
+          <a:p>
+            <a:r>
+              <a:rPr lang="zh-CN" altLang="en-US" dirty="0">
+                <a:solidFill>
+                  <a:schemeClr val="accent2"/>
+                </a:solidFill>
+              </a:rPr>
+              <a:t>注：在二维数组中输出</a:t>
+            </a:r>
+            <a:r>
+              <a:rPr lang="en-US" altLang="zh-CN" dirty="0" err="1">
+                <a:solidFill>
+                  <a:schemeClr val="accent2"/>
+                </a:solidFill>
+              </a:rPr>
+              <a:t>arr</a:t>
+            </a:r>
+            <a:r>
+              <a:rPr lang="en-US" altLang="zh-CN" dirty="0">
+                <a:solidFill>
+                  <a:schemeClr val="accent2"/>
+                </a:solidFill>
+              </a:rPr>
+              <a:t>[</a:t>
+            </a:r>
+            <a:r>
+              <a:rPr lang="en-US" altLang="zh-CN" dirty="0" err="1">
+                <a:solidFill>
+                  <a:schemeClr val="accent2"/>
+                </a:solidFill>
+              </a:rPr>
+              <a:t>i</a:t>
+            </a:r>
+            <a:r>
+              <a:rPr lang="en-US" altLang="zh-CN" dirty="0">
+                <a:solidFill>
+                  <a:schemeClr val="accent2"/>
+                </a:solidFill>
+              </a:rPr>
+              <a:t>]</a:t>
+            </a:r>
+            <a:r>
+              <a:rPr lang="zh-CN" altLang="en-US" dirty="0">
+                <a:solidFill>
+                  <a:schemeClr val="accent2"/>
+                </a:solidFill>
+              </a:rPr>
+              <a:t>相当于输出第</a:t>
+            </a:r>
+            <a:r>
+              <a:rPr lang="en-US" altLang="zh-CN" dirty="0" err="1">
+                <a:solidFill>
+                  <a:schemeClr val="accent2"/>
+                </a:solidFill>
+              </a:rPr>
+              <a:t>i</a:t>
+            </a:r>
+            <a:r>
+              <a:rPr lang="zh-CN" altLang="en-US" dirty="0">
+                <a:solidFill>
+                  <a:schemeClr val="accent2"/>
+                </a:solidFill>
+              </a:rPr>
+              <a:t>行第一个元素的地址，</a:t>
+            </a:r>
+            <a:r>
+              <a:rPr lang="en-US" altLang="zh-CN" dirty="0" err="1">
+                <a:solidFill>
+                  <a:schemeClr val="accent2"/>
+                </a:solidFill>
+              </a:rPr>
+              <a:t>arr</a:t>
+            </a:r>
+            <a:r>
+              <a:rPr lang="en-US" altLang="zh-CN" dirty="0">
+                <a:solidFill>
+                  <a:schemeClr val="accent2"/>
+                </a:solidFill>
+              </a:rPr>
+              <a:t>[</a:t>
+            </a:r>
+            <a:r>
+              <a:rPr lang="en-US" altLang="zh-CN" dirty="0" err="1">
+                <a:solidFill>
+                  <a:schemeClr val="accent2"/>
+                </a:solidFill>
+              </a:rPr>
+              <a:t>i</a:t>
+            </a:r>
+            <a:r>
+              <a:rPr lang="en-US" altLang="zh-CN" dirty="0">
+                <a:solidFill>
+                  <a:schemeClr val="accent2"/>
+                </a:solidFill>
+              </a:rPr>
+              <a:t>]+j</a:t>
+            </a:r>
+            <a:r>
+              <a:rPr lang="zh-CN" altLang="en-US" dirty="0">
+                <a:solidFill>
+                  <a:schemeClr val="accent2"/>
+                </a:solidFill>
+              </a:rPr>
+              <a:t>相当于</a:t>
+            </a:r>
+            <a:r>
+              <a:rPr lang="en-US" altLang="zh-CN" dirty="0" err="1">
+                <a:solidFill>
+                  <a:schemeClr val="accent2"/>
+                </a:solidFill>
+              </a:rPr>
+              <a:t>arr</a:t>
+            </a:r>
+            <a:r>
+              <a:rPr lang="en-US" altLang="zh-CN" dirty="0">
+                <a:solidFill>
+                  <a:schemeClr val="accent2"/>
+                </a:solidFill>
+              </a:rPr>
+              <a:t>[</a:t>
+            </a:r>
+            <a:r>
+              <a:rPr lang="en-US" altLang="zh-CN" dirty="0" err="1">
+                <a:solidFill>
+                  <a:schemeClr val="accent2"/>
+                </a:solidFill>
+              </a:rPr>
+              <a:t>i</a:t>
+            </a:r>
+            <a:r>
+              <a:rPr lang="en-US" altLang="zh-CN" dirty="0">
+                <a:solidFill>
+                  <a:schemeClr val="accent2"/>
+                </a:solidFill>
+              </a:rPr>
+              <a:t>][j]</a:t>
+            </a:r>
+            <a:endParaRPr lang="zh-CN" altLang="en-US" dirty="0">
+              <a:solidFill>
+                <a:schemeClr val="accent2"/>
+              </a:solidFill>
+            </a:endParaRPr>
+          </a:p>
+        </p:txBody>
+      </p:sp>
     </p:spTree>
     <p:extLst>
       <p:ext uri="{BB962C8B-B14F-4D97-AF65-F5344CB8AC3E}">
@@ -3987,6 +4160,86 @@
     <p:extLst>
       <p:ext uri="{BB962C8B-B14F-4D97-AF65-F5344CB8AC3E}">
         <p14:creationId xmlns:p14="http://schemas.microsoft.com/office/powerpoint/2010/main" val="2273274856"/>
+      </p:ext>
+    </p:extLst>
+  </p:cSld>
+  <p:clrMapOvr>
+    <a:masterClrMapping/>
+  </p:clrMapOvr>
+</p:sld>
+</file>
+
+<file path=ppt/slides/slide3.xml><?xml version="1.0" encoding="utf-8"?>
+<p:sld xmlns:a="http://schemas.openxmlformats.org/drawingml/2006/main" xmlns:r="http://schemas.openxmlformats.org/officeDocument/2006/relationships" xmlns:p="http://schemas.openxmlformats.org/presentationml/2006/main">
+  <p:cSld>
+    <p:spTree>
+      <p:nvGrpSpPr>
+        <p:cNvPr id="1" name=""/>
+        <p:cNvGrpSpPr/>
+        <p:nvPr/>
+      </p:nvGrpSpPr>
+      <p:grpSpPr>
+        <a:xfrm>
+          <a:off x="0" y="0"/>
+          <a:ext cx="0" cy="0"/>
+          <a:chOff x="0" y="0"/>
+          <a:chExt cx="0" cy="0"/>
+        </a:xfrm>
+      </p:grpSpPr>
+      <p:sp>
+        <p:nvSpPr>
+          <p:cNvPr id="2" name="标题 1">
+            <a:extLst>
+              <a:ext uri="{FF2B5EF4-FFF2-40B4-BE49-F238E27FC236}">
+                <a16:creationId xmlns:a16="http://schemas.microsoft.com/office/drawing/2014/main" id="{9406CA30-9284-430D-847E-249F64D6A43B}"/>
+              </a:ext>
+            </a:extLst>
+          </p:cNvPr>
+          <p:cNvSpPr>
+            <a:spLocks noGrp="1"/>
+          </p:cNvSpPr>
+          <p:nvPr>
+            <p:ph type="title"/>
+          </p:nvPr>
+        </p:nvSpPr>
+        <p:spPr/>
+        <p:txBody>
+          <a:bodyPr/>
+          <a:lstStyle/>
+          <a:p>
+            <a:endParaRPr lang="zh-CN" altLang="en-US" dirty="0"/>
+          </a:p>
+        </p:txBody>
+      </p:sp>
+      <p:sp>
+        <p:nvSpPr>
+          <p:cNvPr id="3" name="内容占位符 2">
+            <a:extLst>
+              <a:ext uri="{FF2B5EF4-FFF2-40B4-BE49-F238E27FC236}">
+                <a16:creationId xmlns:a16="http://schemas.microsoft.com/office/drawing/2014/main" id="{143DE733-C332-4AE1-B6E0-B42CDC9B8362}"/>
+              </a:ext>
+            </a:extLst>
+          </p:cNvPr>
+          <p:cNvSpPr>
+            <a:spLocks noGrp="1"/>
+          </p:cNvSpPr>
+          <p:nvPr>
+            <p:ph idx="1"/>
+          </p:nvPr>
+        </p:nvSpPr>
+        <p:spPr/>
+        <p:txBody>
+          <a:bodyPr/>
+          <a:lstStyle/>
+          <a:p>
+            <a:endParaRPr lang="zh-CN" altLang="en-US"/>
+          </a:p>
+        </p:txBody>
+      </p:sp>
+    </p:spTree>
+    <p:extLst>
+      <p:ext uri="{BB962C8B-B14F-4D97-AF65-F5344CB8AC3E}">
+        <p14:creationId xmlns:p14="http://schemas.microsoft.com/office/powerpoint/2010/main" val="2314372819"/>
       </p:ext>
     </p:extLst>
   </p:cSld>

--- a/20181019-20181026-张雁君.pptx
+++ b/20181019-20181026-张雁君.pptx
@@ -8,6 +8,7 @@
     <p:sldId id="256" r:id="rId2"/>
     <p:sldId id="257" r:id="rId3"/>
     <p:sldId id="258" r:id="rId4"/>
+    <p:sldId id="259" r:id="rId5"/>
   </p:sldIdLst>
   <p:sldSz cx="12192000" cy="6858000"/>
   <p:notesSz cx="6858000" cy="9144000"/>
@@ -4202,9 +4203,51 @@
             <p:ph type="title"/>
           </p:nvPr>
         </p:nvSpPr>
-        <p:spPr/>
-        <p:txBody>
-          <a:bodyPr/>
+        <p:spPr>
+          <a:xfrm>
+            <a:off x="838200" y="365126"/>
+            <a:ext cx="10515600" cy="446637"/>
+          </a:xfrm>
+        </p:spPr>
+        <p:txBody>
+          <a:bodyPr>
+            <a:normAutofit fontScale="90000"/>
+          </a:bodyPr>
+          <a:lstStyle/>
+          <a:p>
+            <a:r>
+              <a:rPr lang="zh-CN" altLang="en-US" dirty="0"/>
+              <a:t>指针做函数返回值</a:t>
+            </a:r>
+          </a:p>
+        </p:txBody>
+      </p:sp>
+      <p:sp>
+        <p:nvSpPr>
+          <p:cNvPr id="3" name="内容占位符 2">
+            <a:extLst>
+              <a:ext uri="{FF2B5EF4-FFF2-40B4-BE49-F238E27FC236}">
+                <a16:creationId xmlns:a16="http://schemas.microsoft.com/office/drawing/2014/main" id="{143DE733-C332-4AE1-B6E0-B42CDC9B8362}"/>
+              </a:ext>
+            </a:extLst>
+          </p:cNvPr>
+          <p:cNvSpPr>
+            <a:spLocks noGrp="1"/>
+          </p:cNvSpPr>
+          <p:nvPr>
+            <p:ph idx="1"/>
+          </p:nvPr>
+        </p:nvSpPr>
+        <p:spPr>
+          <a:xfrm>
+            <a:off x="838200" y="6131242"/>
+            <a:ext cx="10515600" cy="45719"/>
+          </a:xfrm>
+        </p:spPr>
+        <p:txBody>
+          <a:bodyPr>
+            <a:normAutofit fontScale="25000" lnSpcReduction="20000"/>
+          </a:bodyPr>
           <a:lstStyle/>
           <a:p>
             <a:endParaRPr lang="zh-CN" altLang="en-US" dirty="0"/>
@@ -4213,33 +4256,601 @@
       </p:sp>
       <p:sp>
         <p:nvSpPr>
-          <p:cNvPr id="3" name="内容占位符 2">
-            <a:extLst>
-              <a:ext uri="{FF2B5EF4-FFF2-40B4-BE49-F238E27FC236}">
-                <a16:creationId xmlns:a16="http://schemas.microsoft.com/office/drawing/2014/main" id="{143DE733-C332-4AE1-B6E0-B42CDC9B8362}"/>
-              </a:ext>
-            </a:extLst>
-          </p:cNvPr>
-          <p:cNvSpPr>
-            <a:spLocks noGrp="1"/>
-          </p:cNvSpPr>
-          <p:nvPr>
-            <p:ph idx="1"/>
-          </p:nvPr>
-        </p:nvSpPr>
-        <p:spPr/>
-        <p:txBody>
-          <a:bodyPr/>
-          <a:lstStyle/>
-          <a:p>
-            <a:endParaRPr lang="zh-CN" altLang="en-US"/>
-          </a:p>
-        </p:txBody>
-      </p:sp>
+          <p:cNvPr id="4" name="文本框 3">
+            <a:extLst>
+              <a:ext uri="{FF2B5EF4-FFF2-40B4-BE49-F238E27FC236}">
+                <a16:creationId xmlns:a16="http://schemas.microsoft.com/office/drawing/2014/main" id="{2267415D-B4D1-4BDF-88F5-6D8918FD4D9A}"/>
+              </a:ext>
+            </a:extLst>
+          </p:cNvPr>
+          <p:cNvSpPr txBox="1"/>
+          <p:nvPr/>
+        </p:nvSpPr>
+        <p:spPr>
+          <a:xfrm>
+            <a:off x="363894" y="1268963"/>
+            <a:ext cx="5430416" cy="369332"/>
+          </a:xfrm>
+          <a:prstGeom prst="rect">
+            <a:avLst/>
+          </a:prstGeom>
+          <a:noFill/>
+        </p:spPr>
+        <p:txBody>
+          <a:bodyPr wrap="square" rtlCol="0">
+            <a:spAutoFit/>
+          </a:bodyPr>
+          <a:lstStyle/>
+          <a:p>
+            <a:r>
+              <a:rPr lang="zh-CN" altLang="en-US" dirty="0"/>
+              <a:t>指针类型数据的函数的定义：</a:t>
+            </a:r>
+            <a:r>
+              <a:rPr lang="en-US" altLang="zh-CN" dirty="0"/>
+              <a:t>int </a:t>
+            </a:r>
+            <a:r>
+              <a:rPr lang="zh-CN" altLang="en-US" dirty="0"/>
+              <a:t>*</a:t>
+            </a:r>
+            <a:r>
+              <a:rPr lang="en-US" altLang="zh-CN" dirty="0"/>
+              <a:t>pointer(int </a:t>
+            </a:r>
+            <a:r>
+              <a:rPr lang="en-US" altLang="zh-CN" dirty="0" err="1"/>
+              <a:t>x,int</a:t>
+            </a:r>
+            <a:r>
+              <a:rPr lang="en-US" altLang="zh-CN" dirty="0"/>
+              <a:t> y)</a:t>
+            </a:r>
+            <a:endParaRPr lang="zh-CN" altLang="en-US" dirty="0"/>
+          </a:p>
+        </p:txBody>
+      </p:sp>
+      <p:pic>
+        <p:nvPicPr>
+          <p:cNvPr id="5" name="图片 4">
+            <a:extLst>
+              <a:ext uri="{FF2B5EF4-FFF2-40B4-BE49-F238E27FC236}">
+                <a16:creationId xmlns:a16="http://schemas.microsoft.com/office/drawing/2014/main" id="{EB530748-1375-4BCC-B8EC-3DE6C81BAC0F}"/>
+              </a:ext>
+            </a:extLst>
+          </p:cNvPr>
+          <p:cNvPicPr>
+            <a:picLocks noChangeAspect="1"/>
+          </p:cNvPicPr>
+          <p:nvPr/>
+        </p:nvPicPr>
+        <p:blipFill>
+          <a:blip r:embed="rId2"/>
+          <a:stretch>
+            <a:fillRect/>
+          </a:stretch>
+        </p:blipFill>
+        <p:spPr>
+          <a:xfrm>
+            <a:off x="259556" y="1638295"/>
+            <a:ext cx="5945301" cy="2902481"/>
+          </a:xfrm>
+          <a:prstGeom prst="rect">
+            <a:avLst/>
+          </a:prstGeom>
+        </p:spPr>
+      </p:pic>
+      <p:pic>
+        <p:nvPicPr>
+          <p:cNvPr id="6" name="图片 5">
+            <a:extLst>
+              <a:ext uri="{FF2B5EF4-FFF2-40B4-BE49-F238E27FC236}">
+                <a16:creationId xmlns:a16="http://schemas.microsoft.com/office/drawing/2014/main" id="{7D3EF570-4534-4091-9D70-EAE4FA5DD804}"/>
+              </a:ext>
+            </a:extLst>
+          </p:cNvPr>
+          <p:cNvPicPr>
+            <a:picLocks noChangeAspect="1"/>
+          </p:cNvPicPr>
+          <p:nvPr/>
+        </p:nvPicPr>
+        <p:blipFill>
+          <a:blip r:embed="rId3"/>
+          <a:stretch>
+            <a:fillRect/>
+          </a:stretch>
+        </p:blipFill>
+        <p:spPr>
+          <a:xfrm>
+            <a:off x="259556" y="4678784"/>
+            <a:ext cx="2914650" cy="1314450"/>
+          </a:xfrm>
+          <a:prstGeom prst="rect">
+            <a:avLst/>
+          </a:prstGeom>
+        </p:spPr>
+      </p:pic>
+      <p:sp>
+        <p:nvSpPr>
+          <p:cNvPr id="8" name="文本框 7">
+            <a:extLst>
+              <a:ext uri="{FF2B5EF4-FFF2-40B4-BE49-F238E27FC236}">
+                <a16:creationId xmlns:a16="http://schemas.microsoft.com/office/drawing/2014/main" id="{676FA776-4813-4EE3-97C9-8267DCF76E12}"/>
+              </a:ext>
+            </a:extLst>
+          </p:cNvPr>
+          <p:cNvSpPr txBox="1"/>
+          <p:nvPr/>
+        </p:nvSpPr>
+        <p:spPr>
+          <a:xfrm>
+            <a:off x="6204857" y="588444"/>
+            <a:ext cx="2519265" cy="2031325"/>
+          </a:xfrm>
+          <a:prstGeom prst="rect">
+            <a:avLst/>
+          </a:prstGeom>
+          <a:noFill/>
+        </p:spPr>
+        <p:txBody>
+          <a:bodyPr wrap="square" rtlCol="0">
+            <a:spAutoFit/>
+          </a:bodyPr>
+          <a:lstStyle/>
+          <a:p>
+            <a:r>
+              <a:rPr lang="zh-CN" altLang="en-US" dirty="0">
+                <a:solidFill>
+                  <a:srgbClr val="FF0000"/>
+                </a:solidFill>
+              </a:rPr>
+              <a:t>注：当定义了两个指针类型的函数，调用了连个函数，并用它的返回值对一个指针变量赋值，输出该指针变量的值，输出的值可能是其中任意一个函数的返回值</a:t>
+            </a:r>
+          </a:p>
+        </p:txBody>
+      </p:sp>
+      <p:pic>
+        <p:nvPicPr>
+          <p:cNvPr id="9" name="图片 8">
+            <a:extLst>
+              <a:ext uri="{FF2B5EF4-FFF2-40B4-BE49-F238E27FC236}">
+                <a16:creationId xmlns:a16="http://schemas.microsoft.com/office/drawing/2014/main" id="{776C9A03-A39A-4E2A-937E-5C154E0D03B8}"/>
+              </a:ext>
+            </a:extLst>
+          </p:cNvPr>
+          <p:cNvPicPr>
+            <a:picLocks noChangeAspect="1"/>
+          </p:cNvPicPr>
+          <p:nvPr/>
+        </p:nvPicPr>
+        <p:blipFill>
+          <a:blip r:embed="rId4"/>
+          <a:stretch>
+            <a:fillRect/>
+          </a:stretch>
+        </p:blipFill>
+        <p:spPr>
+          <a:xfrm>
+            <a:off x="6272010" y="2914085"/>
+            <a:ext cx="5181735" cy="2994700"/>
+          </a:xfrm>
+          <a:prstGeom prst="rect">
+            <a:avLst/>
+          </a:prstGeom>
+        </p:spPr>
+      </p:pic>
+      <p:pic>
+        <p:nvPicPr>
+          <p:cNvPr id="11" name="图片 10">
+            <a:extLst>
+              <a:ext uri="{FF2B5EF4-FFF2-40B4-BE49-F238E27FC236}">
+                <a16:creationId xmlns:a16="http://schemas.microsoft.com/office/drawing/2014/main" id="{C7AADAEF-9738-43C4-8105-64D5F278A846}"/>
+              </a:ext>
+            </a:extLst>
+          </p:cNvPr>
+          <p:cNvPicPr>
+            <a:picLocks noChangeAspect="1"/>
+          </p:cNvPicPr>
+          <p:nvPr/>
+        </p:nvPicPr>
+        <p:blipFill>
+          <a:blip r:embed="rId5"/>
+          <a:stretch>
+            <a:fillRect/>
+          </a:stretch>
+        </p:blipFill>
+        <p:spPr>
+          <a:xfrm>
+            <a:off x="8737217" y="1209732"/>
+            <a:ext cx="3314700" cy="1209675"/>
+          </a:xfrm>
+          <a:prstGeom prst="rect">
+            <a:avLst/>
+          </a:prstGeom>
+        </p:spPr>
+      </p:pic>
+      <p:pic>
+        <p:nvPicPr>
+          <p:cNvPr id="12" name="图片 11">
+            <a:extLst>
+              <a:ext uri="{FF2B5EF4-FFF2-40B4-BE49-F238E27FC236}">
+                <a16:creationId xmlns:a16="http://schemas.microsoft.com/office/drawing/2014/main" id="{47B449ED-169F-49E8-AF60-21BFD72B600F}"/>
+              </a:ext>
+            </a:extLst>
+          </p:cNvPr>
+          <p:cNvPicPr>
+            <a:picLocks noChangeAspect="1"/>
+          </p:cNvPicPr>
+          <p:nvPr/>
+        </p:nvPicPr>
+        <p:blipFill>
+          <a:blip r:embed="rId6"/>
+          <a:stretch>
+            <a:fillRect/>
+          </a:stretch>
+        </p:blipFill>
+        <p:spPr>
+          <a:xfrm>
+            <a:off x="8626704" y="53048"/>
+            <a:ext cx="3216684" cy="1110126"/>
+          </a:xfrm>
+          <a:prstGeom prst="rect">
+            <a:avLst/>
+          </a:prstGeom>
+        </p:spPr>
+      </p:pic>
     </p:spTree>
     <p:extLst>
       <p:ext uri="{BB962C8B-B14F-4D97-AF65-F5344CB8AC3E}">
         <p14:creationId xmlns:p14="http://schemas.microsoft.com/office/powerpoint/2010/main" val="2314372819"/>
+      </p:ext>
+    </p:extLst>
+  </p:cSld>
+  <p:clrMapOvr>
+    <a:masterClrMapping/>
+  </p:clrMapOvr>
+</p:sld>
+</file>
+
+<file path=ppt/slides/slide4.xml><?xml version="1.0" encoding="utf-8"?>
+<p:sld xmlns:a="http://schemas.openxmlformats.org/drawingml/2006/main" xmlns:r="http://schemas.openxmlformats.org/officeDocument/2006/relationships" xmlns:p="http://schemas.openxmlformats.org/presentationml/2006/main">
+  <p:cSld>
+    <p:spTree>
+      <p:nvGrpSpPr>
+        <p:cNvPr id="1" name=""/>
+        <p:cNvGrpSpPr/>
+        <p:nvPr/>
+      </p:nvGrpSpPr>
+      <p:grpSpPr>
+        <a:xfrm>
+          <a:off x="0" y="0"/>
+          <a:ext cx="0" cy="0"/>
+          <a:chOff x="0" y="0"/>
+          <a:chExt cx="0" cy="0"/>
+        </a:xfrm>
+      </p:grpSpPr>
+      <p:sp>
+        <p:nvSpPr>
+          <p:cNvPr id="2" name="标题 1">
+            <a:extLst>
+              <a:ext uri="{FF2B5EF4-FFF2-40B4-BE49-F238E27FC236}">
+                <a16:creationId xmlns:a16="http://schemas.microsoft.com/office/drawing/2014/main" id="{60BC5836-E522-466B-B143-F565289F7D60}"/>
+              </a:ext>
+            </a:extLst>
+          </p:cNvPr>
+          <p:cNvSpPr>
+            <a:spLocks noGrp="1"/>
+          </p:cNvSpPr>
+          <p:nvPr>
+            <p:ph type="title"/>
+          </p:nvPr>
+        </p:nvSpPr>
+        <p:spPr>
+          <a:xfrm>
+            <a:off x="362339" y="327091"/>
+            <a:ext cx="10515600" cy="707894"/>
+          </a:xfrm>
+        </p:spPr>
+        <p:txBody>
+          <a:bodyPr>
+            <a:normAutofit/>
+          </a:bodyPr>
+          <a:lstStyle/>
+          <a:p>
+            <a:r>
+              <a:rPr lang="zh-CN" altLang="en-US" sz="4000" dirty="0"/>
+              <a:t>静态局部变量</a:t>
+            </a:r>
+          </a:p>
+        </p:txBody>
+      </p:sp>
+      <p:sp>
+        <p:nvSpPr>
+          <p:cNvPr id="3" name="内容占位符 2">
+            <a:extLst>
+              <a:ext uri="{FF2B5EF4-FFF2-40B4-BE49-F238E27FC236}">
+                <a16:creationId xmlns:a16="http://schemas.microsoft.com/office/drawing/2014/main" id="{68B17C12-C8E9-4FCA-AD21-4E3DE3339A11}"/>
+              </a:ext>
+            </a:extLst>
+          </p:cNvPr>
+          <p:cNvSpPr>
+            <a:spLocks noGrp="1"/>
+          </p:cNvSpPr>
+          <p:nvPr>
+            <p:ph idx="1"/>
+          </p:nvPr>
+        </p:nvSpPr>
+        <p:spPr>
+          <a:xfrm>
+            <a:off x="838200" y="6036905"/>
+            <a:ext cx="10515600" cy="140057"/>
+          </a:xfrm>
+        </p:spPr>
+        <p:txBody>
+          <a:bodyPr>
+            <a:normAutofit fontScale="25000" lnSpcReduction="20000"/>
+          </a:bodyPr>
+          <a:lstStyle/>
+          <a:p>
+            <a:endParaRPr lang="zh-CN" altLang="en-US" dirty="0"/>
+          </a:p>
+        </p:txBody>
+      </p:sp>
+      <p:sp>
+        <p:nvSpPr>
+          <p:cNvPr id="4" name="文本框 3">
+            <a:extLst>
+              <a:ext uri="{FF2B5EF4-FFF2-40B4-BE49-F238E27FC236}">
+                <a16:creationId xmlns:a16="http://schemas.microsoft.com/office/drawing/2014/main" id="{D509C9CA-5E7D-486D-AD68-798EDAAB799F}"/>
+              </a:ext>
+            </a:extLst>
+          </p:cNvPr>
+          <p:cNvSpPr txBox="1"/>
+          <p:nvPr/>
+        </p:nvSpPr>
+        <p:spPr>
+          <a:xfrm>
+            <a:off x="838200" y="1268963"/>
+            <a:ext cx="4386943" cy="1200329"/>
+          </a:xfrm>
+          <a:prstGeom prst="rect">
+            <a:avLst/>
+          </a:prstGeom>
+          <a:noFill/>
+        </p:spPr>
+        <p:txBody>
+          <a:bodyPr wrap="square" rtlCol="0">
+            <a:spAutoFit/>
+          </a:bodyPr>
+          <a:lstStyle/>
+          <a:p>
+            <a:r>
+              <a:rPr lang="zh-CN" altLang="en-US" dirty="0"/>
+              <a:t>定义：函数中的局部变量值在函数调用结束后不消失而保留原值，即其占用的存储不释放，在下一次函数调用时，仍然可以继续使用该变量</a:t>
+            </a:r>
+          </a:p>
+        </p:txBody>
+      </p:sp>
+      <p:sp>
+        <p:nvSpPr>
+          <p:cNvPr id="5" name="文本框 4">
+            <a:extLst>
+              <a:ext uri="{FF2B5EF4-FFF2-40B4-BE49-F238E27FC236}">
+                <a16:creationId xmlns:a16="http://schemas.microsoft.com/office/drawing/2014/main" id="{2F181BFF-1B1D-4F9B-97BD-CB06213FDACE}"/>
+              </a:ext>
+            </a:extLst>
+          </p:cNvPr>
+          <p:cNvSpPr txBox="1"/>
+          <p:nvPr/>
+        </p:nvSpPr>
+        <p:spPr>
+          <a:xfrm flipH="1">
+            <a:off x="203717" y="2612615"/>
+            <a:ext cx="1737049" cy="923330"/>
+          </a:xfrm>
+          <a:prstGeom prst="rect">
+            <a:avLst/>
+          </a:prstGeom>
+          <a:noFill/>
+        </p:spPr>
+        <p:txBody>
+          <a:bodyPr wrap="square" rtlCol="0">
+            <a:spAutoFit/>
+          </a:bodyPr>
+          <a:lstStyle/>
+          <a:p>
+            <a:r>
+              <a:rPr lang="zh-CN" altLang="en-US" dirty="0">
+                <a:solidFill>
+                  <a:schemeClr val="accent2"/>
+                </a:solidFill>
+              </a:rPr>
+              <a:t>静态局部变量与动态局部变量的区别：</a:t>
+            </a:r>
+          </a:p>
+        </p:txBody>
+      </p:sp>
+      <p:pic>
+        <p:nvPicPr>
+          <p:cNvPr id="6" name="图片 5">
+            <a:extLst>
+              <a:ext uri="{FF2B5EF4-FFF2-40B4-BE49-F238E27FC236}">
+                <a16:creationId xmlns:a16="http://schemas.microsoft.com/office/drawing/2014/main" id="{FDF6220B-DF18-4C12-85E6-DC8E4122CC28}"/>
+              </a:ext>
+            </a:extLst>
+          </p:cNvPr>
+          <p:cNvPicPr>
+            <a:picLocks noChangeAspect="1"/>
+          </p:cNvPicPr>
+          <p:nvPr/>
+        </p:nvPicPr>
+        <p:blipFill>
+          <a:blip r:embed="rId2"/>
+          <a:stretch>
+            <a:fillRect/>
+          </a:stretch>
+        </p:blipFill>
+        <p:spPr>
+          <a:xfrm>
+            <a:off x="1684469" y="2435646"/>
+            <a:ext cx="4893614" cy="3634905"/>
+          </a:xfrm>
+          <a:prstGeom prst="rect">
+            <a:avLst/>
+          </a:prstGeom>
+        </p:spPr>
+      </p:pic>
+      <p:pic>
+        <p:nvPicPr>
+          <p:cNvPr id="7" name="图片 6">
+            <a:extLst>
+              <a:ext uri="{FF2B5EF4-FFF2-40B4-BE49-F238E27FC236}">
+                <a16:creationId xmlns:a16="http://schemas.microsoft.com/office/drawing/2014/main" id="{82715C5C-1C8D-4AD9-8183-B2125A7B34F1}"/>
+              </a:ext>
+            </a:extLst>
+          </p:cNvPr>
+          <p:cNvPicPr>
+            <a:picLocks noChangeAspect="1"/>
+          </p:cNvPicPr>
+          <p:nvPr/>
+        </p:nvPicPr>
+        <p:blipFill>
+          <a:blip r:embed="rId3"/>
+          <a:stretch>
+            <a:fillRect/>
+          </a:stretch>
+        </p:blipFill>
+        <p:spPr>
+          <a:xfrm>
+            <a:off x="7446445" y="93113"/>
+            <a:ext cx="4177328" cy="3331191"/>
+          </a:xfrm>
+          <a:prstGeom prst="rect">
+            <a:avLst/>
+          </a:prstGeom>
+        </p:spPr>
+      </p:pic>
+      <p:sp>
+        <p:nvSpPr>
+          <p:cNvPr id="8" name="文本框 7">
+            <a:extLst>
+              <a:ext uri="{FF2B5EF4-FFF2-40B4-BE49-F238E27FC236}">
+                <a16:creationId xmlns:a16="http://schemas.microsoft.com/office/drawing/2014/main" id="{A4761767-6FD9-4D1D-8157-6C7D281C0DAD}"/>
+              </a:ext>
+            </a:extLst>
+          </p:cNvPr>
+          <p:cNvSpPr txBox="1"/>
+          <p:nvPr/>
+        </p:nvSpPr>
+        <p:spPr>
+          <a:xfrm>
+            <a:off x="6096000" y="93113"/>
+            <a:ext cx="2096278" cy="373418"/>
+          </a:xfrm>
+          <a:prstGeom prst="rect">
+            <a:avLst/>
+          </a:prstGeom>
+          <a:noFill/>
+        </p:spPr>
+        <p:txBody>
+          <a:bodyPr wrap="square" rtlCol="0">
+            <a:spAutoFit/>
+          </a:bodyPr>
+          <a:lstStyle/>
+          <a:p>
+            <a:r>
+              <a:rPr lang="zh-CN" altLang="en-US" dirty="0">
+                <a:solidFill>
+                  <a:schemeClr val="accent2"/>
+                </a:solidFill>
+              </a:rPr>
+              <a:t>运行结果：</a:t>
+            </a:r>
+          </a:p>
+        </p:txBody>
+      </p:sp>
+      <p:sp>
+        <p:nvSpPr>
+          <p:cNvPr id="10" name="文本框 9">
+            <a:extLst>
+              <a:ext uri="{FF2B5EF4-FFF2-40B4-BE49-F238E27FC236}">
+                <a16:creationId xmlns:a16="http://schemas.microsoft.com/office/drawing/2014/main" id="{952C28EE-D770-4236-A059-9054029FFF00}"/>
+              </a:ext>
+            </a:extLst>
+          </p:cNvPr>
+          <p:cNvSpPr txBox="1"/>
+          <p:nvPr/>
+        </p:nvSpPr>
+        <p:spPr>
+          <a:xfrm>
+            <a:off x="6867331" y="3620278"/>
+            <a:ext cx="4756442" cy="369332"/>
+          </a:xfrm>
+          <a:prstGeom prst="rect">
+            <a:avLst/>
+          </a:prstGeom>
+          <a:noFill/>
+        </p:spPr>
+        <p:txBody>
+          <a:bodyPr wrap="square" rtlCol="0">
+            <a:spAutoFit/>
+          </a:bodyPr>
+          <a:lstStyle/>
+          <a:p>
+            <a:r>
+              <a:rPr lang="zh-CN" altLang="en-US" dirty="0">
+                <a:solidFill>
+                  <a:srgbClr val="FF0000"/>
+                </a:solidFill>
+              </a:rPr>
+              <a:t>注：</a:t>
+            </a:r>
+          </a:p>
+        </p:txBody>
+      </p:sp>
+      <p:sp>
+        <p:nvSpPr>
+          <p:cNvPr id="11" name="文本框 10">
+            <a:extLst>
+              <a:ext uri="{FF2B5EF4-FFF2-40B4-BE49-F238E27FC236}">
+                <a16:creationId xmlns:a16="http://schemas.microsoft.com/office/drawing/2014/main" id="{FD04A51A-C764-46BE-9B90-4A648E696D5B}"/>
+              </a:ext>
+            </a:extLst>
+          </p:cNvPr>
+          <p:cNvSpPr txBox="1"/>
+          <p:nvPr/>
+        </p:nvSpPr>
+        <p:spPr>
+          <a:xfrm>
+            <a:off x="7446444" y="3620278"/>
+            <a:ext cx="4048869" cy="646331"/>
+          </a:xfrm>
+          <a:prstGeom prst="rect">
+            <a:avLst/>
+          </a:prstGeom>
+          <a:noFill/>
+        </p:spPr>
+        <p:txBody>
+          <a:bodyPr wrap="square" rtlCol="0">
+            <a:spAutoFit/>
+          </a:bodyPr>
+          <a:lstStyle/>
+          <a:p>
+            <a:r>
+              <a:rPr lang="zh-CN" altLang="en-US" dirty="0">
+                <a:solidFill>
+                  <a:srgbClr val="FF0000"/>
+                </a:solidFill>
+              </a:rPr>
+              <a:t>指针做函数返回值时，必须返回一个全局变量或者静态局部变量</a:t>
+            </a:r>
+          </a:p>
+        </p:txBody>
+      </p:sp>
+    </p:spTree>
+    <p:extLst>
+      <p:ext uri="{BB962C8B-B14F-4D97-AF65-F5344CB8AC3E}">
+        <p14:creationId xmlns:p14="http://schemas.microsoft.com/office/powerpoint/2010/main" val="2322254250"/>
       </p:ext>
     </p:extLst>
   </p:cSld>

--- a/20181019-20181026-张雁君.pptx
+++ b/20181019-20181026-张雁君.pptx
@@ -9,6 +9,8 @@
     <p:sldId id="257" r:id="rId3"/>
     <p:sldId id="258" r:id="rId4"/>
     <p:sldId id="259" r:id="rId5"/>
+    <p:sldId id="260" r:id="rId6"/>
+    <p:sldId id="261" r:id="rId7"/>
   </p:sldIdLst>
   <p:sldSz cx="12192000" cy="6858000"/>
   <p:notesSz cx="6858000" cy="9144000"/>
@@ -262,7 +264,7 @@
           <a:p>
             <a:fld id="{586B6464-ABB4-47C4-98EB-DAD22724289E}" type="datetimeFigureOut">
               <a:rPr lang="zh-CN" altLang="en-US" smtClean="0"/>
-              <a:t>2018/10/23</a:t>
+              <a:t>2018/10/24</a:t>
             </a:fld>
             <a:endParaRPr lang="zh-CN" altLang="en-US"/>
           </a:p>
@@ -460,7 +462,7 @@
           <a:p>
             <a:fld id="{586B6464-ABB4-47C4-98EB-DAD22724289E}" type="datetimeFigureOut">
               <a:rPr lang="zh-CN" altLang="en-US" smtClean="0"/>
-              <a:t>2018/10/23</a:t>
+              <a:t>2018/10/24</a:t>
             </a:fld>
             <a:endParaRPr lang="zh-CN" altLang="en-US"/>
           </a:p>
@@ -668,7 +670,7 @@
           <a:p>
             <a:fld id="{586B6464-ABB4-47C4-98EB-DAD22724289E}" type="datetimeFigureOut">
               <a:rPr lang="zh-CN" altLang="en-US" smtClean="0"/>
-              <a:t>2018/10/23</a:t>
+              <a:t>2018/10/24</a:t>
             </a:fld>
             <a:endParaRPr lang="zh-CN" altLang="en-US"/>
           </a:p>
@@ -866,7 +868,7 @@
           <a:p>
             <a:fld id="{586B6464-ABB4-47C4-98EB-DAD22724289E}" type="datetimeFigureOut">
               <a:rPr lang="zh-CN" altLang="en-US" smtClean="0"/>
-              <a:t>2018/10/23</a:t>
+              <a:t>2018/10/24</a:t>
             </a:fld>
             <a:endParaRPr lang="zh-CN" altLang="en-US"/>
           </a:p>
@@ -1141,7 +1143,7 @@
           <a:p>
             <a:fld id="{586B6464-ABB4-47C4-98EB-DAD22724289E}" type="datetimeFigureOut">
               <a:rPr lang="zh-CN" altLang="en-US" smtClean="0"/>
-              <a:t>2018/10/23</a:t>
+              <a:t>2018/10/24</a:t>
             </a:fld>
             <a:endParaRPr lang="zh-CN" altLang="en-US"/>
           </a:p>
@@ -1406,7 +1408,7 @@
           <a:p>
             <a:fld id="{586B6464-ABB4-47C4-98EB-DAD22724289E}" type="datetimeFigureOut">
               <a:rPr lang="zh-CN" altLang="en-US" smtClean="0"/>
-              <a:t>2018/10/23</a:t>
+              <a:t>2018/10/24</a:t>
             </a:fld>
             <a:endParaRPr lang="zh-CN" altLang="en-US"/>
           </a:p>
@@ -1818,7 +1820,7 @@
           <a:p>
             <a:fld id="{586B6464-ABB4-47C4-98EB-DAD22724289E}" type="datetimeFigureOut">
               <a:rPr lang="zh-CN" altLang="en-US" smtClean="0"/>
-              <a:t>2018/10/23</a:t>
+              <a:t>2018/10/24</a:t>
             </a:fld>
             <a:endParaRPr lang="zh-CN" altLang="en-US"/>
           </a:p>
@@ -1959,7 +1961,7 @@
           <a:p>
             <a:fld id="{586B6464-ABB4-47C4-98EB-DAD22724289E}" type="datetimeFigureOut">
               <a:rPr lang="zh-CN" altLang="en-US" smtClean="0"/>
-              <a:t>2018/10/23</a:t>
+              <a:t>2018/10/24</a:t>
             </a:fld>
             <a:endParaRPr lang="zh-CN" altLang="en-US"/>
           </a:p>
@@ -2072,7 +2074,7 @@
           <a:p>
             <a:fld id="{586B6464-ABB4-47C4-98EB-DAD22724289E}" type="datetimeFigureOut">
               <a:rPr lang="zh-CN" altLang="en-US" smtClean="0"/>
-              <a:t>2018/10/23</a:t>
+              <a:t>2018/10/24</a:t>
             </a:fld>
             <a:endParaRPr lang="zh-CN" altLang="en-US"/>
           </a:p>
@@ -2383,7 +2385,7 @@
           <a:p>
             <a:fld id="{586B6464-ABB4-47C4-98EB-DAD22724289E}" type="datetimeFigureOut">
               <a:rPr lang="zh-CN" altLang="en-US" smtClean="0"/>
-              <a:t>2018/10/23</a:t>
+              <a:t>2018/10/24</a:t>
             </a:fld>
             <a:endParaRPr lang="zh-CN" altLang="en-US"/>
           </a:p>
@@ -2671,7 +2673,7 @@
           <a:p>
             <a:fld id="{586B6464-ABB4-47C4-98EB-DAD22724289E}" type="datetimeFigureOut">
               <a:rPr lang="zh-CN" altLang="en-US" smtClean="0"/>
-              <a:t>2018/10/23</a:t>
+              <a:t>2018/10/24</a:t>
             </a:fld>
             <a:endParaRPr lang="zh-CN" altLang="en-US"/>
           </a:p>
@@ -2912,7 +2914,7 @@
           <a:p>
             <a:fld id="{586B6464-ABB4-47C4-98EB-DAD22724289E}" type="datetimeFigureOut">
               <a:rPr lang="zh-CN" altLang="en-US" smtClean="0"/>
-              <a:t>2018/10/23</a:t>
+              <a:t>2018/10/24</a:t>
             </a:fld>
             <a:endParaRPr lang="zh-CN" altLang="en-US"/>
           </a:p>
@@ -4860,6 +4862,698 @@
 </p:sld>
 </file>
 
+<file path=ppt/slides/slide5.xml><?xml version="1.0" encoding="utf-8"?>
+<p:sld xmlns:a="http://schemas.openxmlformats.org/drawingml/2006/main" xmlns:r="http://schemas.openxmlformats.org/officeDocument/2006/relationships" xmlns:p="http://schemas.openxmlformats.org/presentationml/2006/main">
+  <p:cSld>
+    <p:spTree>
+      <p:nvGrpSpPr>
+        <p:cNvPr id="1" name=""/>
+        <p:cNvGrpSpPr/>
+        <p:nvPr/>
+      </p:nvGrpSpPr>
+      <p:grpSpPr>
+        <a:xfrm>
+          <a:off x="0" y="0"/>
+          <a:ext cx="0" cy="0"/>
+          <a:chOff x="0" y="0"/>
+          <a:chExt cx="0" cy="0"/>
+        </a:xfrm>
+      </p:grpSpPr>
+      <p:sp>
+        <p:nvSpPr>
+          <p:cNvPr id="2" name="标题 1">
+            <a:extLst>
+              <a:ext uri="{FF2B5EF4-FFF2-40B4-BE49-F238E27FC236}">
+                <a16:creationId xmlns:a16="http://schemas.microsoft.com/office/drawing/2014/main" id="{D7985A28-A42C-4ECA-9963-EB052696B655}"/>
+              </a:ext>
+            </a:extLst>
+          </p:cNvPr>
+          <p:cNvSpPr>
+            <a:spLocks noGrp="1"/>
+          </p:cNvSpPr>
+          <p:nvPr>
+            <p:ph type="title"/>
+          </p:nvPr>
+        </p:nvSpPr>
+        <p:spPr>
+          <a:xfrm>
+            <a:off x="838200" y="467762"/>
+            <a:ext cx="10515600" cy="129397"/>
+          </a:xfrm>
+        </p:spPr>
+        <p:txBody>
+          <a:bodyPr>
+            <a:normAutofit fontScale="90000"/>
+          </a:bodyPr>
+          <a:lstStyle/>
+          <a:p>
+            <a:r>
+              <a:rPr lang="zh-CN" altLang="en-US" dirty="0"/>
+              <a:t>结构体与函数</a:t>
+            </a:r>
+          </a:p>
+        </p:txBody>
+      </p:sp>
+      <p:sp>
+        <p:nvSpPr>
+          <p:cNvPr id="3" name="内容占位符 2">
+            <a:extLst>
+              <a:ext uri="{FF2B5EF4-FFF2-40B4-BE49-F238E27FC236}">
+                <a16:creationId xmlns:a16="http://schemas.microsoft.com/office/drawing/2014/main" id="{51A48CFD-0C12-4934-976D-5CC2A49AE801}"/>
+              </a:ext>
+            </a:extLst>
+          </p:cNvPr>
+          <p:cNvSpPr>
+            <a:spLocks noGrp="1"/>
+          </p:cNvSpPr>
+          <p:nvPr>
+            <p:ph idx="1"/>
+          </p:nvPr>
+        </p:nvSpPr>
+        <p:spPr>
+          <a:xfrm>
+            <a:off x="838200" y="6047565"/>
+            <a:ext cx="10515600" cy="129397"/>
+          </a:xfrm>
+        </p:spPr>
+        <p:txBody>
+          <a:bodyPr>
+            <a:normAutofit fontScale="25000" lnSpcReduction="20000"/>
+          </a:bodyPr>
+          <a:lstStyle/>
+          <a:p>
+            <a:endParaRPr lang="zh-CN" altLang="en-US" dirty="0"/>
+          </a:p>
+        </p:txBody>
+      </p:sp>
+      <p:sp>
+        <p:nvSpPr>
+          <p:cNvPr id="6" name="文本框 5">
+            <a:extLst>
+              <a:ext uri="{FF2B5EF4-FFF2-40B4-BE49-F238E27FC236}">
+                <a16:creationId xmlns:a16="http://schemas.microsoft.com/office/drawing/2014/main" id="{7DB8DF50-A624-4CA8-8BC5-1A5720501045}"/>
+              </a:ext>
+            </a:extLst>
+          </p:cNvPr>
+          <p:cNvSpPr txBox="1"/>
+          <p:nvPr/>
+        </p:nvSpPr>
+        <p:spPr>
+          <a:xfrm>
+            <a:off x="167950" y="830424"/>
+            <a:ext cx="5657462" cy="1754326"/>
+          </a:xfrm>
+          <a:prstGeom prst="rect">
+            <a:avLst/>
+          </a:prstGeom>
+          <a:noFill/>
+        </p:spPr>
+        <p:txBody>
+          <a:bodyPr wrap="square" rtlCol="0">
+            <a:spAutoFit/>
+          </a:bodyPr>
+          <a:lstStyle/>
+          <a:p>
+            <a:r>
+              <a:rPr lang="zh-CN" altLang="en-US" dirty="0"/>
+              <a:t>结构体的定义方法：    </a:t>
+            </a:r>
+            <a:r>
+              <a:rPr lang="en-US" altLang="zh-CN" dirty="0"/>
+              <a:t>struct  </a:t>
+            </a:r>
+            <a:r>
+              <a:rPr lang="zh-CN" altLang="en-US" dirty="0"/>
+              <a:t>结构体名</a:t>
+            </a:r>
+            <a:endParaRPr lang="en-US" altLang="zh-CN" dirty="0"/>
+          </a:p>
+          <a:p>
+            <a:r>
+              <a:rPr lang="en-US" altLang="zh-CN" dirty="0"/>
+              <a:t>		    {</a:t>
+            </a:r>
+          </a:p>
+          <a:p>
+            <a:r>
+              <a:rPr lang="en-US" altLang="zh-CN" dirty="0"/>
+              <a:t>		            </a:t>
+            </a:r>
+            <a:r>
+              <a:rPr lang="zh-CN" altLang="en-US" dirty="0"/>
+              <a:t>结构体变量；</a:t>
+            </a:r>
+            <a:endParaRPr lang="en-US" altLang="zh-CN" dirty="0"/>
+          </a:p>
+          <a:p>
+            <a:r>
+              <a:rPr lang="en-US" altLang="zh-CN" dirty="0"/>
+              <a:t>		     } </a:t>
+            </a:r>
+          </a:p>
+          <a:p>
+            <a:endParaRPr lang="en-US" altLang="zh-CN" dirty="0"/>
+          </a:p>
+          <a:p>
+            <a:r>
+              <a:rPr lang="zh-CN" altLang="en-US" dirty="0"/>
+              <a:t>在主函数中调用结构体变量的方法：结构体名</a:t>
+            </a:r>
+            <a:r>
+              <a:rPr lang="en-US" altLang="zh-CN" dirty="0"/>
+              <a:t>.</a:t>
+            </a:r>
+            <a:r>
+              <a:rPr lang="zh-CN" altLang="en-US" dirty="0"/>
+              <a:t>变量名</a:t>
+            </a:r>
+          </a:p>
+        </p:txBody>
+      </p:sp>
+      <p:pic>
+        <p:nvPicPr>
+          <p:cNvPr id="7" name="图片 6">
+            <a:extLst>
+              <a:ext uri="{FF2B5EF4-FFF2-40B4-BE49-F238E27FC236}">
+                <a16:creationId xmlns:a16="http://schemas.microsoft.com/office/drawing/2014/main" id="{7B0C2A47-D53F-444D-AB84-95CB3E0F3FC7}"/>
+              </a:ext>
+            </a:extLst>
+          </p:cNvPr>
+          <p:cNvPicPr>
+            <a:picLocks noChangeAspect="1"/>
+          </p:cNvPicPr>
+          <p:nvPr/>
+        </p:nvPicPr>
+        <p:blipFill>
+          <a:blip r:embed="rId2"/>
+          <a:stretch>
+            <a:fillRect/>
+          </a:stretch>
+        </p:blipFill>
+        <p:spPr>
+          <a:xfrm>
+            <a:off x="352231" y="2589415"/>
+            <a:ext cx="5096847" cy="2288843"/>
+          </a:xfrm>
+          <a:prstGeom prst="rect">
+            <a:avLst/>
+          </a:prstGeom>
+        </p:spPr>
+      </p:pic>
+      <p:pic>
+        <p:nvPicPr>
+          <p:cNvPr id="8" name="图片 7">
+            <a:extLst>
+              <a:ext uri="{FF2B5EF4-FFF2-40B4-BE49-F238E27FC236}">
+                <a16:creationId xmlns:a16="http://schemas.microsoft.com/office/drawing/2014/main" id="{0597B24A-78AB-46DA-8F35-BF44C1A1ED99}"/>
+              </a:ext>
+            </a:extLst>
+          </p:cNvPr>
+          <p:cNvPicPr>
+            <a:picLocks noChangeAspect="1"/>
+          </p:cNvPicPr>
+          <p:nvPr/>
+        </p:nvPicPr>
+        <p:blipFill>
+          <a:blip r:embed="rId3"/>
+          <a:stretch>
+            <a:fillRect/>
+          </a:stretch>
+        </p:blipFill>
+        <p:spPr>
+          <a:xfrm>
+            <a:off x="233314" y="4878258"/>
+            <a:ext cx="5334680" cy="1056537"/>
+          </a:xfrm>
+          <a:prstGeom prst="rect">
+            <a:avLst/>
+          </a:prstGeom>
+        </p:spPr>
+      </p:pic>
+      <p:pic>
+        <p:nvPicPr>
+          <p:cNvPr id="10" name="图片 9">
+            <a:extLst>
+              <a:ext uri="{FF2B5EF4-FFF2-40B4-BE49-F238E27FC236}">
+                <a16:creationId xmlns:a16="http://schemas.microsoft.com/office/drawing/2014/main" id="{2DA52B39-F3CE-41FC-956D-5C24C3895747}"/>
+              </a:ext>
+            </a:extLst>
+          </p:cNvPr>
+          <p:cNvPicPr>
+            <a:picLocks noChangeAspect="1"/>
+          </p:cNvPicPr>
+          <p:nvPr/>
+        </p:nvPicPr>
+        <p:blipFill>
+          <a:blip r:embed="rId4"/>
+          <a:stretch>
+            <a:fillRect/>
+          </a:stretch>
+        </p:blipFill>
+        <p:spPr>
+          <a:xfrm>
+            <a:off x="6366590" y="1193085"/>
+            <a:ext cx="4222747" cy="2690774"/>
+          </a:xfrm>
+          <a:prstGeom prst="rect">
+            <a:avLst/>
+          </a:prstGeom>
+        </p:spPr>
+      </p:pic>
+      <p:sp>
+        <p:nvSpPr>
+          <p:cNvPr id="12" name="文本框 11">
+            <a:extLst>
+              <a:ext uri="{FF2B5EF4-FFF2-40B4-BE49-F238E27FC236}">
+                <a16:creationId xmlns:a16="http://schemas.microsoft.com/office/drawing/2014/main" id="{23DA7879-D9A9-4736-9E13-3F8E87D852B7}"/>
+              </a:ext>
+            </a:extLst>
+          </p:cNvPr>
+          <p:cNvSpPr txBox="1"/>
+          <p:nvPr/>
+        </p:nvSpPr>
+        <p:spPr>
+          <a:xfrm>
+            <a:off x="6242179" y="507258"/>
+            <a:ext cx="3676262" cy="646331"/>
+          </a:xfrm>
+          <a:prstGeom prst="rect">
+            <a:avLst/>
+          </a:prstGeom>
+          <a:noFill/>
+        </p:spPr>
+        <p:txBody>
+          <a:bodyPr wrap="square" rtlCol="0">
+            <a:spAutoFit/>
+          </a:bodyPr>
+          <a:lstStyle/>
+          <a:p>
+            <a:r>
+              <a:rPr lang="zh-CN" altLang="en-US" dirty="0"/>
+              <a:t>通过定义一个</a:t>
+            </a:r>
+            <a:r>
+              <a:rPr lang="en-US" altLang="zh-CN" dirty="0"/>
+              <a:t>student</a:t>
+            </a:r>
+            <a:r>
+              <a:rPr lang="zh-CN" altLang="en-US" dirty="0"/>
+              <a:t>类型的函数来给结构体变量赋值，返回值为</a:t>
+            </a:r>
+          </a:p>
+        </p:txBody>
+      </p:sp>
+      <p:pic>
+        <p:nvPicPr>
+          <p:cNvPr id="13" name="图片 12">
+            <a:extLst>
+              <a:ext uri="{FF2B5EF4-FFF2-40B4-BE49-F238E27FC236}">
+                <a16:creationId xmlns:a16="http://schemas.microsoft.com/office/drawing/2014/main" id="{7BC03200-F6A5-401B-9598-9083192A7890}"/>
+              </a:ext>
+            </a:extLst>
+          </p:cNvPr>
+          <p:cNvPicPr>
+            <a:picLocks noChangeAspect="1"/>
+          </p:cNvPicPr>
+          <p:nvPr/>
+        </p:nvPicPr>
+        <p:blipFill>
+          <a:blip r:embed="rId5"/>
+          <a:stretch>
+            <a:fillRect/>
+          </a:stretch>
+        </p:blipFill>
+        <p:spPr>
+          <a:xfrm>
+            <a:off x="5943897" y="3940109"/>
+            <a:ext cx="5409903" cy="1551026"/>
+          </a:xfrm>
+          <a:prstGeom prst="rect">
+            <a:avLst/>
+          </a:prstGeom>
+        </p:spPr>
+      </p:pic>
+    </p:spTree>
+    <p:extLst>
+      <p:ext uri="{BB962C8B-B14F-4D97-AF65-F5344CB8AC3E}">
+        <p14:creationId xmlns:p14="http://schemas.microsoft.com/office/powerpoint/2010/main" val="1066189294"/>
+      </p:ext>
+    </p:extLst>
+  </p:cSld>
+  <p:clrMapOvr>
+    <a:masterClrMapping/>
+  </p:clrMapOvr>
+</p:sld>
+</file>
+
+<file path=ppt/slides/slide6.xml><?xml version="1.0" encoding="utf-8"?>
+<p:sld xmlns:a="http://schemas.openxmlformats.org/drawingml/2006/main" xmlns:r="http://schemas.openxmlformats.org/officeDocument/2006/relationships" xmlns:p="http://schemas.openxmlformats.org/presentationml/2006/main">
+  <p:cSld>
+    <p:spTree>
+      <p:nvGrpSpPr>
+        <p:cNvPr id="1" name=""/>
+        <p:cNvGrpSpPr/>
+        <p:nvPr/>
+      </p:nvGrpSpPr>
+      <p:grpSpPr>
+        <a:xfrm>
+          <a:off x="0" y="0"/>
+          <a:ext cx="0" cy="0"/>
+          <a:chOff x="0" y="0"/>
+          <a:chExt cx="0" cy="0"/>
+        </a:xfrm>
+      </p:grpSpPr>
+      <p:sp>
+        <p:nvSpPr>
+          <p:cNvPr id="2" name="标题 1">
+            <a:extLst>
+              <a:ext uri="{FF2B5EF4-FFF2-40B4-BE49-F238E27FC236}">
+                <a16:creationId xmlns:a16="http://schemas.microsoft.com/office/drawing/2014/main" id="{ECD2D2D5-B0C5-4E6A-A76D-F08093F7D5E5}"/>
+              </a:ext>
+            </a:extLst>
+          </p:cNvPr>
+          <p:cNvSpPr>
+            <a:spLocks noGrp="1"/>
+          </p:cNvSpPr>
+          <p:nvPr>
+            <p:ph type="title"/>
+          </p:nvPr>
+        </p:nvSpPr>
+        <p:spPr>
+          <a:xfrm>
+            <a:off x="838200" y="365126"/>
+            <a:ext cx="10515600" cy="679904"/>
+          </a:xfrm>
+        </p:spPr>
+        <p:txBody>
+          <a:bodyPr>
+            <a:normAutofit/>
+          </a:bodyPr>
+          <a:lstStyle/>
+          <a:p>
+            <a:r>
+              <a:rPr lang="zh-CN" altLang="en-US" sz="3200" dirty="0"/>
+              <a:t>结构体变量与指针</a:t>
+            </a:r>
+          </a:p>
+        </p:txBody>
+      </p:sp>
+      <p:sp>
+        <p:nvSpPr>
+          <p:cNvPr id="3" name="内容占位符 2">
+            <a:extLst>
+              <a:ext uri="{FF2B5EF4-FFF2-40B4-BE49-F238E27FC236}">
+                <a16:creationId xmlns:a16="http://schemas.microsoft.com/office/drawing/2014/main" id="{0C4ADF8E-FA31-4512-A566-331F63AB89DB}"/>
+              </a:ext>
+            </a:extLst>
+          </p:cNvPr>
+          <p:cNvSpPr>
+            <a:spLocks noGrp="1"/>
+          </p:cNvSpPr>
+          <p:nvPr>
+            <p:ph idx="1"/>
+          </p:nvPr>
+        </p:nvSpPr>
+        <p:spPr>
+          <a:xfrm>
+            <a:off x="838200" y="6018245"/>
+            <a:ext cx="10515600" cy="158718"/>
+          </a:xfrm>
+        </p:spPr>
+        <p:txBody>
+          <a:bodyPr>
+            <a:normAutofit fontScale="25000" lnSpcReduction="20000"/>
+          </a:bodyPr>
+          <a:lstStyle/>
+          <a:p>
+            <a:endParaRPr lang="zh-CN" altLang="en-US"/>
+          </a:p>
+        </p:txBody>
+      </p:sp>
+      <p:pic>
+        <p:nvPicPr>
+          <p:cNvPr id="4" name="图片 3">
+            <a:extLst>
+              <a:ext uri="{FF2B5EF4-FFF2-40B4-BE49-F238E27FC236}">
+                <a16:creationId xmlns:a16="http://schemas.microsoft.com/office/drawing/2014/main" id="{684FC595-952D-497D-BE6B-79015256F90E}"/>
+              </a:ext>
+            </a:extLst>
+          </p:cNvPr>
+          <p:cNvPicPr>
+            <a:picLocks noChangeAspect="1"/>
+          </p:cNvPicPr>
+          <p:nvPr/>
+        </p:nvPicPr>
+        <p:blipFill>
+          <a:blip r:embed="rId2"/>
+          <a:stretch>
+            <a:fillRect/>
+          </a:stretch>
+        </p:blipFill>
+        <p:spPr>
+          <a:xfrm>
+            <a:off x="732842" y="2454215"/>
+            <a:ext cx="4549590" cy="2664065"/>
+          </a:xfrm>
+          <a:prstGeom prst="rect">
+            <a:avLst/>
+          </a:prstGeom>
+        </p:spPr>
+      </p:pic>
+      <p:sp>
+        <p:nvSpPr>
+          <p:cNvPr id="6" name="文本框 5">
+            <a:extLst>
+              <a:ext uri="{FF2B5EF4-FFF2-40B4-BE49-F238E27FC236}">
+                <a16:creationId xmlns:a16="http://schemas.microsoft.com/office/drawing/2014/main" id="{85E70B84-6183-4659-AA93-A197CC7F82FF}"/>
+              </a:ext>
+            </a:extLst>
+          </p:cNvPr>
+          <p:cNvSpPr txBox="1"/>
+          <p:nvPr/>
+        </p:nvSpPr>
+        <p:spPr>
+          <a:xfrm>
+            <a:off x="732842" y="1045030"/>
+            <a:ext cx="3568570" cy="1477328"/>
+          </a:xfrm>
+          <a:prstGeom prst="rect">
+            <a:avLst/>
+          </a:prstGeom>
+          <a:noFill/>
+        </p:spPr>
+        <p:txBody>
+          <a:bodyPr wrap="square" rtlCol="0">
+            <a:spAutoFit/>
+          </a:bodyPr>
+          <a:lstStyle/>
+          <a:p>
+            <a:r>
+              <a:rPr lang="zh-CN" altLang="en-US" dirty="0"/>
+              <a:t>定义一个</a:t>
+            </a:r>
+            <a:r>
+              <a:rPr lang="en-US" altLang="zh-CN" dirty="0"/>
+              <a:t>student</a:t>
+            </a:r>
+            <a:r>
+              <a:rPr lang="zh-CN" altLang="en-US" dirty="0"/>
+              <a:t>类型的指针，并把一个已经赋值的结构体变量的地址赋给他，输出该变量的值时可以用（*指针变量名）</a:t>
+            </a:r>
+            <a:r>
+              <a:rPr lang="en-US" altLang="zh-CN" dirty="0"/>
+              <a:t>.</a:t>
+            </a:r>
+            <a:r>
+              <a:rPr lang="zh-CN" altLang="en-US" dirty="0"/>
+              <a:t>变量名来访问</a:t>
+            </a:r>
+          </a:p>
+        </p:txBody>
+      </p:sp>
+      <p:pic>
+        <p:nvPicPr>
+          <p:cNvPr id="7" name="图片 6">
+            <a:extLst>
+              <a:ext uri="{FF2B5EF4-FFF2-40B4-BE49-F238E27FC236}">
+                <a16:creationId xmlns:a16="http://schemas.microsoft.com/office/drawing/2014/main" id="{1FF6D5D3-C90A-4A7E-89D1-85AD678B2A1F}"/>
+              </a:ext>
+            </a:extLst>
+          </p:cNvPr>
+          <p:cNvPicPr>
+            <a:picLocks noChangeAspect="1"/>
+          </p:cNvPicPr>
+          <p:nvPr/>
+        </p:nvPicPr>
+        <p:blipFill>
+          <a:blip r:embed="rId3"/>
+          <a:stretch>
+            <a:fillRect/>
+          </a:stretch>
+        </p:blipFill>
+        <p:spPr>
+          <a:xfrm>
+            <a:off x="1101012" y="5318157"/>
+            <a:ext cx="3200400" cy="1400175"/>
+          </a:xfrm>
+          <a:prstGeom prst="rect">
+            <a:avLst/>
+          </a:prstGeom>
+        </p:spPr>
+      </p:pic>
+      <p:sp>
+        <p:nvSpPr>
+          <p:cNvPr id="8" name="文本框 7">
+            <a:extLst>
+              <a:ext uri="{FF2B5EF4-FFF2-40B4-BE49-F238E27FC236}">
+                <a16:creationId xmlns:a16="http://schemas.microsoft.com/office/drawing/2014/main" id="{EE9AF99E-D945-459A-A8D1-03AE7609D67C}"/>
+              </a:ext>
+            </a:extLst>
+          </p:cNvPr>
+          <p:cNvSpPr txBox="1"/>
+          <p:nvPr/>
+        </p:nvSpPr>
+        <p:spPr>
+          <a:xfrm>
+            <a:off x="5533053" y="242596"/>
+            <a:ext cx="2575249" cy="923330"/>
+          </a:xfrm>
+          <a:prstGeom prst="rect">
+            <a:avLst/>
+          </a:prstGeom>
+          <a:noFill/>
+        </p:spPr>
+        <p:txBody>
+          <a:bodyPr wrap="square" rtlCol="0">
+            <a:spAutoFit/>
+          </a:bodyPr>
+          <a:lstStyle/>
+          <a:p>
+            <a:r>
+              <a:rPr lang="zh-CN" altLang="en-US" dirty="0">
+                <a:solidFill>
+                  <a:srgbClr val="FF0000"/>
+                </a:solidFill>
+              </a:rPr>
+              <a:t>也可以通过指针变量名</a:t>
+            </a:r>
+            <a:r>
+              <a:rPr lang="en-US" altLang="zh-CN" dirty="0">
+                <a:solidFill>
+                  <a:srgbClr val="FF0000"/>
+                </a:solidFill>
+              </a:rPr>
+              <a:t>-&gt;</a:t>
+            </a:r>
+            <a:r>
+              <a:rPr lang="zh-CN" altLang="en-US" dirty="0">
+                <a:solidFill>
+                  <a:srgbClr val="FF0000"/>
+                </a:solidFill>
+              </a:rPr>
+              <a:t>结构体变量名，来访问</a:t>
+            </a:r>
+          </a:p>
+        </p:txBody>
+      </p:sp>
+      <p:pic>
+        <p:nvPicPr>
+          <p:cNvPr id="9" name="图片 8">
+            <a:extLst>
+              <a:ext uri="{FF2B5EF4-FFF2-40B4-BE49-F238E27FC236}">
+                <a16:creationId xmlns:a16="http://schemas.microsoft.com/office/drawing/2014/main" id="{F60B0A85-DC60-4198-BE7C-02187D0ADBC5}"/>
+              </a:ext>
+            </a:extLst>
+          </p:cNvPr>
+          <p:cNvPicPr>
+            <a:picLocks noChangeAspect="1"/>
+          </p:cNvPicPr>
+          <p:nvPr/>
+        </p:nvPicPr>
+        <p:blipFill>
+          <a:blip r:embed="rId4"/>
+          <a:stretch>
+            <a:fillRect/>
+          </a:stretch>
+        </p:blipFill>
+        <p:spPr>
+          <a:xfrm>
+            <a:off x="5610419" y="1223772"/>
+            <a:ext cx="5465018" cy="3307774"/>
+          </a:xfrm>
+          <a:prstGeom prst="rect">
+            <a:avLst/>
+          </a:prstGeom>
+        </p:spPr>
+      </p:pic>
+      <p:sp>
+        <p:nvSpPr>
+          <p:cNvPr id="10" name="文本框 9">
+            <a:extLst>
+              <a:ext uri="{FF2B5EF4-FFF2-40B4-BE49-F238E27FC236}">
+                <a16:creationId xmlns:a16="http://schemas.microsoft.com/office/drawing/2014/main" id="{9A175217-7E8F-4BFA-A9B7-6101885B6624}"/>
+              </a:ext>
+            </a:extLst>
+          </p:cNvPr>
+          <p:cNvSpPr txBox="1"/>
+          <p:nvPr/>
+        </p:nvSpPr>
+        <p:spPr>
+          <a:xfrm>
+            <a:off x="8342928" y="242596"/>
+            <a:ext cx="2075236" cy="646331"/>
+          </a:xfrm>
+          <a:prstGeom prst="rect">
+            <a:avLst/>
+          </a:prstGeom>
+          <a:noFill/>
+        </p:spPr>
+        <p:txBody>
+          <a:bodyPr wrap="square" rtlCol="0">
+            <a:spAutoFit/>
+          </a:bodyPr>
+          <a:lstStyle/>
+          <a:p>
+            <a:r>
+              <a:rPr lang="zh-CN" altLang="en-US" dirty="0">
+                <a:solidFill>
+                  <a:srgbClr val="FF0000"/>
+                </a:solidFill>
+              </a:rPr>
+              <a:t>注：</a:t>
+            </a:r>
+            <a:r>
+              <a:rPr lang="en-US" altLang="zh-CN" dirty="0">
+                <a:solidFill>
+                  <a:srgbClr val="FF0000"/>
+                </a:solidFill>
+              </a:rPr>
+              <a:t>-&gt;</a:t>
+            </a:r>
+            <a:r>
+              <a:rPr lang="zh-CN" altLang="en-US" dirty="0">
+                <a:solidFill>
+                  <a:srgbClr val="FF0000"/>
+                </a:solidFill>
+              </a:rPr>
+              <a:t>被称为指向运算符</a:t>
+            </a:r>
+          </a:p>
+        </p:txBody>
+      </p:sp>
+    </p:spTree>
+    <p:extLst>
+      <p:ext uri="{BB962C8B-B14F-4D97-AF65-F5344CB8AC3E}">
+        <p14:creationId xmlns:p14="http://schemas.microsoft.com/office/powerpoint/2010/main" val="1771966102"/>
+      </p:ext>
+    </p:extLst>
+  </p:cSld>
+  <p:clrMapOvr>
+    <a:masterClrMapping/>
+  </p:clrMapOvr>
+</p:sld>
+</file>
+
 <file path=ppt/theme/theme1.xml><?xml version="1.0" encoding="utf-8"?>
 <a:theme xmlns:a="http://schemas.openxmlformats.org/drawingml/2006/main" name="Office 主题​​">
   <a:themeElements>

--- a/20181019-20181026-张雁君.pptx
+++ b/20181019-20181026-张雁君.pptx
@@ -11,6 +11,9 @@
     <p:sldId id="259" r:id="rId5"/>
     <p:sldId id="260" r:id="rId6"/>
     <p:sldId id="261" r:id="rId7"/>
+    <p:sldId id="262" r:id="rId8"/>
+    <p:sldId id="263" r:id="rId9"/>
+    <p:sldId id="264" r:id="rId10"/>
   </p:sldIdLst>
   <p:sldSz cx="12192000" cy="6858000"/>
   <p:notesSz cx="6858000" cy="9144000"/>
@@ -264,7 +267,7 @@
           <a:p>
             <a:fld id="{586B6464-ABB4-47C4-98EB-DAD22724289E}" type="datetimeFigureOut">
               <a:rPr lang="zh-CN" altLang="en-US" smtClean="0"/>
-              <a:t>2018/10/24</a:t>
+              <a:t>2018/10/25</a:t>
             </a:fld>
             <a:endParaRPr lang="zh-CN" altLang="en-US"/>
           </a:p>
@@ -462,7 +465,7 @@
           <a:p>
             <a:fld id="{586B6464-ABB4-47C4-98EB-DAD22724289E}" type="datetimeFigureOut">
               <a:rPr lang="zh-CN" altLang="en-US" smtClean="0"/>
-              <a:t>2018/10/24</a:t>
+              <a:t>2018/10/25</a:t>
             </a:fld>
             <a:endParaRPr lang="zh-CN" altLang="en-US"/>
           </a:p>
@@ -670,7 +673,7 @@
           <a:p>
             <a:fld id="{586B6464-ABB4-47C4-98EB-DAD22724289E}" type="datetimeFigureOut">
               <a:rPr lang="zh-CN" altLang="en-US" smtClean="0"/>
-              <a:t>2018/10/24</a:t>
+              <a:t>2018/10/25</a:t>
             </a:fld>
             <a:endParaRPr lang="zh-CN" altLang="en-US"/>
           </a:p>
@@ -868,7 +871,7 @@
           <a:p>
             <a:fld id="{586B6464-ABB4-47C4-98EB-DAD22724289E}" type="datetimeFigureOut">
               <a:rPr lang="zh-CN" altLang="en-US" smtClean="0"/>
-              <a:t>2018/10/24</a:t>
+              <a:t>2018/10/25</a:t>
             </a:fld>
             <a:endParaRPr lang="zh-CN" altLang="en-US"/>
           </a:p>
@@ -1143,7 +1146,7 @@
           <a:p>
             <a:fld id="{586B6464-ABB4-47C4-98EB-DAD22724289E}" type="datetimeFigureOut">
               <a:rPr lang="zh-CN" altLang="en-US" smtClean="0"/>
-              <a:t>2018/10/24</a:t>
+              <a:t>2018/10/25</a:t>
             </a:fld>
             <a:endParaRPr lang="zh-CN" altLang="en-US"/>
           </a:p>
@@ -1408,7 +1411,7 @@
           <a:p>
             <a:fld id="{586B6464-ABB4-47C4-98EB-DAD22724289E}" type="datetimeFigureOut">
               <a:rPr lang="zh-CN" altLang="en-US" smtClean="0"/>
-              <a:t>2018/10/24</a:t>
+              <a:t>2018/10/25</a:t>
             </a:fld>
             <a:endParaRPr lang="zh-CN" altLang="en-US"/>
           </a:p>
@@ -1820,7 +1823,7 @@
           <a:p>
             <a:fld id="{586B6464-ABB4-47C4-98EB-DAD22724289E}" type="datetimeFigureOut">
               <a:rPr lang="zh-CN" altLang="en-US" smtClean="0"/>
-              <a:t>2018/10/24</a:t>
+              <a:t>2018/10/25</a:t>
             </a:fld>
             <a:endParaRPr lang="zh-CN" altLang="en-US"/>
           </a:p>
@@ -1961,7 +1964,7 @@
           <a:p>
             <a:fld id="{586B6464-ABB4-47C4-98EB-DAD22724289E}" type="datetimeFigureOut">
               <a:rPr lang="zh-CN" altLang="en-US" smtClean="0"/>
-              <a:t>2018/10/24</a:t>
+              <a:t>2018/10/25</a:t>
             </a:fld>
             <a:endParaRPr lang="zh-CN" altLang="en-US"/>
           </a:p>
@@ -2074,7 +2077,7 @@
           <a:p>
             <a:fld id="{586B6464-ABB4-47C4-98EB-DAD22724289E}" type="datetimeFigureOut">
               <a:rPr lang="zh-CN" altLang="en-US" smtClean="0"/>
-              <a:t>2018/10/24</a:t>
+              <a:t>2018/10/25</a:t>
             </a:fld>
             <a:endParaRPr lang="zh-CN" altLang="en-US"/>
           </a:p>
@@ -2385,7 +2388,7 @@
           <a:p>
             <a:fld id="{586B6464-ABB4-47C4-98EB-DAD22724289E}" type="datetimeFigureOut">
               <a:rPr lang="zh-CN" altLang="en-US" smtClean="0"/>
-              <a:t>2018/10/24</a:t>
+              <a:t>2018/10/25</a:t>
             </a:fld>
             <a:endParaRPr lang="zh-CN" altLang="en-US"/>
           </a:p>
@@ -2673,7 +2676,7 @@
           <a:p>
             <a:fld id="{586B6464-ABB4-47C4-98EB-DAD22724289E}" type="datetimeFigureOut">
               <a:rPr lang="zh-CN" altLang="en-US" smtClean="0"/>
-              <a:t>2018/10/24</a:t>
+              <a:t>2018/10/25</a:t>
             </a:fld>
             <a:endParaRPr lang="zh-CN" altLang="en-US"/>
           </a:p>
@@ -2914,7 +2917,7 @@
           <a:p>
             <a:fld id="{586B6464-ABB4-47C4-98EB-DAD22724289E}" type="datetimeFigureOut">
               <a:rPr lang="zh-CN" altLang="en-US" smtClean="0"/>
-              <a:t>2018/10/24</a:t>
+              <a:t>2018/10/25</a:t>
             </a:fld>
             <a:endParaRPr lang="zh-CN" altLang="en-US"/>
           </a:p>
@@ -5554,6 +5557,740 @@
 </p:sld>
 </file>
 
+<file path=ppt/slides/slide7.xml><?xml version="1.0" encoding="utf-8"?>
+<p:sld xmlns:a="http://schemas.openxmlformats.org/drawingml/2006/main" xmlns:r="http://schemas.openxmlformats.org/officeDocument/2006/relationships" xmlns:p="http://schemas.openxmlformats.org/presentationml/2006/main">
+  <p:cSld>
+    <p:spTree>
+      <p:nvGrpSpPr>
+        <p:cNvPr id="1" name=""/>
+        <p:cNvGrpSpPr/>
+        <p:nvPr/>
+      </p:nvGrpSpPr>
+      <p:grpSpPr>
+        <a:xfrm>
+          <a:off x="0" y="0"/>
+          <a:ext cx="0" cy="0"/>
+          <a:chOff x="0" y="0"/>
+          <a:chExt cx="0" cy="0"/>
+        </a:xfrm>
+      </p:grpSpPr>
+      <p:sp>
+        <p:nvSpPr>
+          <p:cNvPr id="2" name="标题 1">
+            <a:extLst>
+              <a:ext uri="{FF2B5EF4-FFF2-40B4-BE49-F238E27FC236}">
+                <a16:creationId xmlns:a16="http://schemas.microsoft.com/office/drawing/2014/main" id="{02A4800D-A018-4D50-AD2E-9225968F4FD8}"/>
+              </a:ext>
+            </a:extLst>
+          </p:cNvPr>
+          <p:cNvSpPr>
+            <a:spLocks noGrp="1"/>
+          </p:cNvSpPr>
+          <p:nvPr>
+            <p:ph type="title"/>
+          </p:nvPr>
+        </p:nvSpPr>
+        <p:spPr>
+          <a:xfrm>
+            <a:off x="838200" y="322424"/>
+            <a:ext cx="10515600" cy="717226"/>
+          </a:xfrm>
+        </p:spPr>
+        <p:txBody>
+          <a:bodyPr>
+            <a:normAutofit/>
+          </a:bodyPr>
+          <a:lstStyle/>
+          <a:p>
+            <a:r>
+              <a:rPr lang="zh-CN" altLang="en-US" sz="3200" dirty="0"/>
+              <a:t>结构体数组</a:t>
+            </a:r>
+          </a:p>
+        </p:txBody>
+      </p:sp>
+      <p:sp>
+        <p:nvSpPr>
+          <p:cNvPr id="3" name="内容占位符 2">
+            <a:extLst>
+              <a:ext uri="{FF2B5EF4-FFF2-40B4-BE49-F238E27FC236}">
+                <a16:creationId xmlns:a16="http://schemas.microsoft.com/office/drawing/2014/main" id="{B47E6395-46FE-49A5-ADF0-56D74FDF7538}"/>
+              </a:ext>
+            </a:extLst>
+          </p:cNvPr>
+          <p:cNvSpPr>
+            <a:spLocks noGrp="1"/>
+          </p:cNvSpPr>
+          <p:nvPr>
+            <p:ph idx="1"/>
+          </p:nvPr>
+        </p:nvSpPr>
+        <p:spPr>
+          <a:xfrm>
+            <a:off x="838200" y="5906277"/>
+            <a:ext cx="10515600" cy="270685"/>
+          </a:xfrm>
+        </p:spPr>
+        <p:txBody>
+          <a:bodyPr>
+            <a:normAutofit fontScale="55000" lnSpcReduction="20000"/>
+          </a:bodyPr>
+          <a:lstStyle/>
+          <a:p>
+            <a:endParaRPr lang="zh-CN" altLang="en-US" dirty="0"/>
+          </a:p>
+        </p:txBody>
+      </p:sp>
+      <p:pic>
+        <p:nvPicPr>
+          <p:cNvPr id="4" name="图片 3">
+            <a:extLst>
+              <a:ext uri="{FF2B5EF4-FFF2-40B4-BE49-F238E27FC236}">
+                <a16:creationId xmlns:a16="http://schemas.microsoft.com/office/drawing/2014/main" id="{991C89DF-2609-428D-8BD4-7688F76A2C55}"/>
+              </a:ext>
+            </a:extLst>
+          </p:cNvPr>
+          <p:cNvPicPr>
+            <a:picLocks noChangeAspect="1"/>
+          </p:cNvPicPr>
+          <p:nvPr/>
+        </p:nvPicPr>
+        <p:blipFill>
+          <a:blip r:embed="rId2"/>
+          <a:stretch>
+            <a:fillRect/>
+          </a:stretch>
+        </p:blipFill>
+        <p:spPr>
+          <a:xfrm>
+            <a:off x="494376" y="1840649"/>
+            <a:ext cx="4945370" cy="2477670"/>
+          </a:xfrm>
+          <a:prstGeom prst="rect">
+            <a:avLst/>
+          </a:prstGeom>
+        </p:spPr>
+      </p:pic>
+      <p:sp>
+        <p:nvSpPr>
+          <p:cNvPr id="5" name="文本框 4">
+            <a:extLst>
+              <a:ext uri="{FF2B5EF4-FFF2-40B4-BE49-F238E27FC236}">
+                <a16:creationId xmlns:a16="http://schemas.microsoft.com/office/drawing/2014/main" id="{3C4D350D-8889-4F12-83BE-8DF2E6F73E51}"/>
+              </a:ext>
+            </a:extLst>
+          </p:cNvPr>
+          <p:cNvSpPr txBox="1"/>
+          <p:nvPr/>
+        </p:nvSpPr>
+        <p:spPr>
+          <a:xfrm>
+            <a:off x="391885" y="1121801"/>
+            <a:ext cx="2948474" cy="646331"/>
+          </a:xfrm>
+          <a:prstGeom prst="rect">
+            <a:avLst/>
+          </a:prstGeom>
+          <a:noFill/>
+        </p:spPr>
+        <p:txBody>
+          <a:bodyPr wrap="square" rtlCol="0">
+            <a:spAutoFit/>
+          </a:bodyPr>
+          <a:lstStyle/>
+          <a:p>
+            <a:r>
+              <a:rPr lang="zh-CN" altLang="en-US" dirty="0"/>
+              <a:t>结构体数组与普通数组的定义方式相同</a:t>
+            </a:r>
+          </a:p>
+        </p:txBody>
+      </p:sp>
+      <p:pic>
+        <p:nvPicPr>
+          <p:cNvPr id="6" name="图片 5">
+            <a:extLst>
+              <a:ext uri="{FF2B5EF4-FFF2-40B4-BE49-F238E27FC236}">
+                <a16:creationId xmlns:a16="http://schemas.microsoft.com/office/drawing/2014/main" id="{CCBF26D2-7D72-4775-AA8B-CEC9C29DDB23}"/>
+              </a:ext>
+            </a:extLst>
+          </p:cNvPr>
+          <p:cNvPicPr>
+            <a:picLocks noChangeAspect="1"/>
+          </p:cNvPicPr>
+          <p:nvPr/>
+        </p:nvPicPr>
+        <p:blipFill>
+          <a:blip r:embed="rId3"/>
+          <a:stretch>
+            <a:fillRect/>
+          </a:stretch>
+        </p:blipFill>
+        <p:spPr>
+          <a:xfrm>
+            <a:off x="186763" y="4540748"/>
+            <a:ext cx="1928027" cy="1143099"/>
+          </a:xfrm>
+          <a:prstGeom prst="rect">
+            <a:avLst/>
+          </a:prstGeom>
+        </p:spPr>
+      </p:pic>
+      <p:sp>
+        <p:nvSpPr>
+          <p:cNvPr id="7" name="文本框 6">
+            <a:extLst>
+              <a:ext uri="{FF2B5EF4-FFF2-40B4-BE49-F238E27FC236}">
+                <a16:creationId xmlns:a16="http://schemas.microsoft.com/office/drawing/2014/main" id="{2B73255A-7264-45DB-8BFF-4E3F2A1E9784}"/>
+              </a:ext>
+            </a:extLst>
+          </p:cNvPr>
+          <p:cNvSpPr txBox="1"/>
+          <p:nvPr/>
+        </p:nvSpPr>
+        <p:spPr>
+          <a:xfrm>
+            <a:off x="2329393" y="4463353"/>
+            <a:ext cx="4114800" cy="1200329"/>
+          </a:xfrm>
+          <a:prstGeom prst="rect">
+            <a:avLst/>
+          </a:prstGeom>
+          <a:noFill/>
+        </p:spPr>
+        <p:txBody>
+          <a:bodyPr wrap="square" rtlCol="0">
+            <a:spAutoFit/>
+          </a:bodyPr>
+          <a:lstStyle/>
+          <a:p>
+            <a:r>
+              <a:rPr lang="zh-CN" altLang="en-US" dirty="0">
+                <a:solidFill>
+                  <a:srgbClr val="FF0000"/>
+                </a:solidFill>
+              </a:rPr>
+              <a:t>注：把结构数组的地址赋给指针变量时，不需要再结构数组变量名前面加上地址运算符，因为结构数组名代表的意义就是结构体数组第一个元素的地址</a:t>
+            </a:r>
+          </a:p>
+        </p:txBody>
+      </p:sp>
+    </p:spTree>
+    <p:extLst>
+      <p:ext uri="{BB962C8B-B14F-4D97-AF65-F5344CB8AC3E}">
+        <p14:creationId xmlns:p14="http://schemas.microsoft.com/office/powerpoint/2010/main" val="509280573"/>
+      </p:ext>
+    </p:extLst>
+  </p:cSld>
+  <p:clrMapOvr>
+    <a:masterClrMapping/>
+  </p:clrMapOvr>
+</p:sld>
+</file>
+
+<file path=ppt/slides/slide8.xml><?xml version="1.0" encoding="utf-8"?>
+<p:sld xmlns:a="http://schemas.openxmlformats.org/drawingml/2006/main" xmlns:r="http://schemas.openxmlformats.org/officeDocument/2006/relationships" xmlns:p="http://schemas.openxmlformats.org/presentationml/2006/main">
+  <p:cSld>
+    <p:spTree>
+      <p:nvGrpSpPr>
+        <p:cNvPr id="1" name=""/>
+        <p:cNvGrpSpPr/>
+        <p:nvPr/>
+      </p:nvGrpSpPr>
+      <p:grpSpPr>
+        <a:xfrm>
+          <a:off x="0" y="0"/>
+          <a:ext cx="0" cy="0"/>
+          <a:chOff x="0" y="0"/>
+          <a:chExt cx="0" cy="0"/>
+        </a:xfrm>
+      </p:grpSpPr>
+      <p:sp>
+        <p:nvSpPr>
+          <p:cNvPr id="2" name="标题 1">
+            <a:extLst>
+              <a:ext uri="{FF2B5EF4-FFF2-40B4-BE49-F238E27FC236}">
+                <a16:creationId xmlns:a16="http://schemas.microsoft.com/office/drawing/2014/main" id="{C4B280A6-0356-472B-96D8-874DEA972410}"/>
+              </a:ext>
+            </a:extLst>
+          </p:cNvPr>
+          <p:cNvSpPr>
+            <a:spLocks noGrp="1"/>
+          </p:cNvSpPr>
+          <p:nvPr>
+            <p:ph type="title"/>
+          </p:nvPr>
+        </p:nvSpPr>
+        <p:spPr>
+          <a:xfrm>
+            <a:off x="838200" y="365126"/>
+            <a:ext cx="10515600" cy="605258"/>
+          </a:xfrm>
+        </p:spPr>
+        <p:txBody>
+          <a:bodyPr>
+            <a:normAutofit/>
+          </a:bodyPr>
+          <a:lstStyle/>
+          <a:p>
+            <a:r>
+              <a:rPr lang="zh-CN" altLang="en-US" sz="3200" dirty="0"/>
+              <a:t>链表</a:t>
+            </a:r>
+          </a:p>
+        </p:txBody>
+      </p:sp>
+      <p:sp>
+        <p:nvSpPr>
+          <p:cNvPr id="3" name="内容占位符 2">
+            <a:extLst>
+              <a:ext uri="{FF2B5EF4-FFF2-40B4-BE49-F238E27FC236}">
+                <a16:creationId xmlns:a16="http://schemas.microsoft.com/office/drawing/2014/main" id="{37FCEBE6-7918-4D86-8425-0ED4B36D4DAE}"/>
+              </a:ext>
+            </a:extLst>
+          </p:cNvPr>
+          <p:cNvSpPr>
+            <a:spLocks noGrp="1"/>
+          </p:cNvSpPr>
+          <p:nvPr>
+            <p:ph idx="1"/>
+          </p:nvPr>
+        </p:nvSpPr>
+        <p:spPr>
+          <a:xfrm>
+            <a:off x="838200" y="5999583"/>
+            <a:ext cx="10515600" cy="177379"/>
+          </a:xfrm>
+        </p:spPr>
+        <p:txBody>
+          <a:bodyPr>
+            <a:normAutofit fontScale="25000" lnSpcReduction="20000"/>
+          </a:bodyPr>
+          <a:lstStyle/>
+          <a:p>
+            <a:endParaRPr lang="zh-CN" altLang="en-US" dirty="0"/>
+          </a:p>
+        </p:txBody>
+      </p:sp>
+      <p:sp>
+        <p:nvSpPr>
+          <p:cNvPr id="4" name="文本框 3">
+            <a:extLst>
+              <a:ext uri="{FF2B5EF4-FFF2-40B4-BE49-F238E27FC236}">
+                <a16:creationId xmlns:a16="http://schemas.microsoft.com/office/drawing/2014/main" id="{FE502498-D227-465D-ACFA-3197A7D6A101}"/>
+              </a:ext>
+            </a:extLst>
+          </p:cNvPr>
+          <p:cNvSpPr txBox="1"/>
+          <p:nvPr/>
+        </p:nvSpPr>
+        <p:spPr>
+          <a:xfrm>
+            <a:off x="707571" y="1091681"/>
+            <a:ext cx="4806821" cy="1754326"/>
+          </a:xfrm>
+          <a:prstGeom prst="rect">
+            <a:avLst/>
+          </a:prstGeom>
+          <a:noFill/>
+        </p:spPr>
+        <p:txBody>
+          <a:bodyPr wrap="square" rtlCol="0">
+            <a:spAutoFit/>
+          </a:bodyPr>
+          <a:lstStyle/>
+          <a:p>
+            <a:r>
+              <a:rPr lang="zh-CN" altLang="en-US" dirty="0"/>
+              <a:t>链表头：指向第一个链表结点的指针</a:t>
+            </a:r>
+            <a:endParaRPr lang="en-US" altLang="zh-CN" dirty="0"/>
+          </a:p>
+          <a:p>
+            <a:r>
+              <a:rPr lang="zh-CN" altLang="en-US" dirty="0"/>
+              <a:t>链表结点：链表中的每一个元素，</a:t>
+            </a:r>
+            <a:endParaRPr lang="en-US" altLang="zh-CN" dirty="0"/>
+          </a:p>
+          <a:p>
+            <a:r>
+              <a:rPr lang="zh-CN" altLang="en-US" dirty="0"/>
+              <a:t>包括：</a:t>
+            </a:r>
+            <a:r>
+              <a:rPr lang="en-US" altLang="zh-CN" dirty="0"/>
+              <a:t>1.</a:t>
+            </a:r>
+            <a:r>
+              <a:rPr lang="zh-CN" altLang="en-US" dirty="0"/>
+              <a:t>当前节点的数据  </a:t>
+            </a:r>
+            <a:r>
+              <a:rPr lang="en-US" altLang="zh-CN" dirty="0"/>
+              <a:t>2.</a:t>
+            </a:r>
+            <a:r>
+              <a:rPr lang="zh-CN" altLang="en-US" dirty="0"/>
+              <a:t>下一个节点的地址</a:t>
+            </a:r>
+            <a:endParaRPr lang="en-US" altLang="zh-CN" dirty="0"/>
+          </a:p>
+          <a:p>
+            <a:r>
+              <a:rPr lang="zh-CN" altLang="en-US" dirty="0"/>
+              <a:t>链表尾：不再指向其他结点的结点，其地址部分放一个</a:t>
+            </a:r>
+            <a:r>
+              <a:rPr lang="en-US" altLang="zh-CN" dirty="0"/>
+              <a:t>null,</a:t>
+            </a:r>
+            <a:r>
+              <a:rPr lang="zh-CN" altLang="en-US" dirty="0"/>
+              <a:t>表示该链表的结束。</a:t>
+            </a:r>
+            <a:endParaRPr lang="en-US" altLang="zh-CN" dirty="0"/>
+          </a:p>
+          <a:p>
+            <a:endParaRPr lang="zh-CN" altLang="en-US" dirty="0"/>
+          </a:p>
+        </p:txBody>
+      </p:sp>
+      <p:sp>
+        <p:nvSpPr>
+          <p:cNvPr id="5" name="文本框 4">
+            <a:extLst>
+              <a:ext uri="{FF2B5EF4-FFF2-40B4-BE49-F238E27FC236}">
+                <a16:creationId xmlns:a16="http://schemas.microsoft.com/office/drawing/2014/main" id="{81812EDA-1C6E-46E5-B7AA-BECA344E57C8}"/>
+              </a:ext>
+            </a:extLst>
+          </p:cNvPr>
+          <p:cNvSpPr txBox="1"/>
+          <p:nvPr/>
+        </p:nvSpPr>
+        <p:spPr>
+          <a:xfrm>
+            <a:off x="707571" y="2577367"/>
+            <a:ext cx="3995057" cy="369332"/>
+          </a:xfrm>
+          <a:prstGeom prst="rect">
+            <a:avLst/>
+          </a:prstGeom>
+          <a:noFill/>
+        </p:spPr>
+        <p:txBody>
+          <a:bodyPr wrap="square" rtlCol="0">
+            <a:spAutoFit/>
+          </a:bodyPr>
+          <a:lstStyle/>
+          <a:p>
+            <a:r>
+              <a:rPr lang="zh-CN" altLang="en-US" dirty="0"/>
+              <a:t>链表的初始化</a:t>
+            </a:r>
+          </a:p>
+        </p:txBody>
+      </p:sp>
+      <p:pic>
+        <p:nvPicPr>
+          <p:cNvPr id="6" name="图片 5">
+            <a:extLst>
+              <a:ext uri="{FF2B5EF4-FFF2-40B4-BE49-F238E27FC236}">
+                <a16:creationId xmlns:a16="http://schemas.microsoft.com/office/drawing/2014/main" id="{CF57E731-0301-44AF-A06B-CF5556A6EFC7}"/>
+              </a:ext>
+            </a:extLst>
+          </p:cNvPr>
+          <p:cNvPicPr>
+            <a:picLocks noChangeAspect="1"/>
+          </p:cNvPicPr>
+          <p:nvPr/>
+        </p:nvPicPr>
+        <p:blipFill>
+          <a:blip r:embed="rId2"/>
+          <a:stretch>
+            <a:fillRect/>
+          </a:stretch>
+        </p:blipFill>
+        <p:spPr>
+          <a:xfrm>
+            <a:off x="707571" y="2967304"/>
+            <a:ext cx="4340291" cy="3212178"/>
+          </a:xfrm>
+          <a:prstGeom prst="rect">
+            <a:avLst/>
+          </a:prstGeom>
+        </p:spPr>
+      </p:pic>
+      <p:sp>
+        <p:nvSpPr>
+          <p:cNvPr id="7" name="文本框 6">
+            <a:extLst>
+              <a:ext uri="{FF2B5EF4-FFF2-40B4-BE49-F238E27FC236}">
+                <a16:creationId xmlns:a16="http://schemas.microsoft.com/office/drawing/2014/main" id="{D1638FF9-418B-4C0A-AAF1-64D5D09B4632}"/>
+              </a:ext>
+            </a:extLst>
+          </p:cNvPr>
+          <p:cNvSpPr txBox="1"/>
+          <p:nvPr/>
+        </p:nvSpPr>
+        <p:spPr>
+          <a:xfrm>
+            <a:off x="5756988" y="149290"/>
+            <a:ext cx="5663681" cy="646331"/>
+          </a:xfrm>
+          <a:prstGeom prst="rect">
+            <a:avLst/>
+          </a:prstGeom>
+          <a:noFill/>
+        </p:spPr>
+        <p:txBody>
+          <a:bodyPr wrap="square" rtlCol="0">
+            <a:spAutoFit/>
+          </a:bodyPr>
+          <a:lstStyle/>
+          <a:p>
+            <a:r>
+              <a:rPr lang="zh-CN" altLang="en-US" dirty="0"/>
+              <a:t>链表的遍历（当指向尾结点的指针指向的地址为空时，遍历结束）</a:t>
+            </a:r>
+          </a:p>
+        </p:txBody>
+      </p:sp>
+      <p:pic>
+        <p:nvPicPr>
+          <p:cNvPr id="8" name="图片 7">
+            <a:extLst>
+              <a:ext uri="{FF2B5EF4-FFF2-40B4-BE49-F238E27FC236}">
+                <a16:creationId xmlns:a16="http://schemas.microsoft.com/office/drawing/2014/main" id="{483D08A6-AC0B-4CDA-9301-0729421C1D79}"/>
+              </a:ext>
+            </a:extLst>
+          </p:cNvPr>
+          <p:cNvPicPr>
+            <a:picLocks noChangeAspect="1"/>
+          </p:cNvPicPr>
+          <p:nvPr/>
+        </p:nvPicPr>
+        <p:blipFill>
+          <a:blip r:embed="rId3"/>
+          <a:stretch>
+            <a:fillRect/>
+          </a:stretch>
+        </p:blipFill>
+        <p:spPr>
+          <a:xfrm>
+            <a:off x="6003959" y="1091681"/>
+            <a:ext cx="4524373" cy="2812309"/>
+          </a:xfrm>
+          <a:prstGeom prst="rect">
+            <a:avLst/>
+          </a:prstGeom>
+        </p:spPr>
+      </p:pic>
+    </p:spTree>
+    <p:extLst>
+      <p:ext uri="{BB962C8B-B14F-4D97-AF65-F5344CB8AC3E}">
+        <p14:creationId xmlns:p14="http://schemas.microsoft.com/office/powerpoint/2010/main" val="3106613892"/>
+      </p:ext>
+    </p:extLst>
+  </p:cSld>
+  <p:clrMapOvr>
+    <a:masterClrMapping/>
+  </p:clrMapOvr>
+</p:sld>
+</file>
+
+<file path=ppt/slides/slide9.xml><?xml version="1.0" encoding="utf-8"?>
+<p:sld xmlns:a="http://schemas.openxmlformats.org/drawingml/2006/main" xmlns:r="http://schemas.openxmlformats.org/officeDocument/2006/relationships" xmlns:p="http://schemas.openxmlformats.org/presentationml/2006/main">
+  <p:cSld>
+    <p:spTree>
+      <p:nvGrpSpPr>
+        <p:cNvPr id="1" name=""/>
+        <p:cNvGrpSpPr/>
+        <p:nvPr/>
+      </p:nvGrpSpPr>
+      <p:grpSpPr>
+        <a:xfrm>
+          <a:off x="0" y="0"/>
+          <a:ext cx="0" cy="0"/>
+          <a:chOff x="0" y="0"/>
+          <a:chExt cx="0" cy="0"/>
+        </a:xfrm>
+      </p:grpSpPr>
+      <p:sp>
+        <p:nvSpPr>
+          <p:cNvPr id="2" name="标题 1">
+            <a:extLst>
+              <a:ext uri="{FF2B5EF4-FFF2-40B4-BE49-F238E27FC236}">
+                <a16:creationId xmlns:a16="http://schemas.microsoft.com/office/drawing/2014/main" id="{C06DB319-F3A6-4107-9FDF-2DD1705FE17C}"/>
+              </a:ext>
+            </a:extLst>
+          </p:cNvPr>
+          <p:cNvSpPr>
+            <a:spLocks noGrp="1"/>
+          </p:cNvSpPr>
+          <p:nvPr>
+            <p:ph type="title"/>
+          </p:nvPr>
+        </p:nvSpPr>
+        <p:spPr>
+          <a:xfrm>
+            <a:off x="838200" y="365125"/>
+            <a:ext cx="10515600" cy="399985"/>
+          </a:xfrm>
+        </p:spPr>
+        <p:txBody>
+          <a:bodyPr>
+            <a:normAutofit fontScale="90000"/>
+          </a:bodyPr>
+          <a:lstStyle/>
+          <a:p>
+            <a:r>
+              <a:rPr lang="zh-CN" altLang="en-US" sz="2800" dirty="0"/>
+              <a:t>删除链表结点</a:t>
+            </a:r>
+          </a:p>
+        </p:txBody>
+      </p:sp>
+      <p:sp>
+        <p:nvSpPr>
+          <p:cNvPr id="3" name="内容占位符 2">
+            <a:extLst>
+              <a:ext uri="{FF2B5EF4-FFF2-40B4-BE49-F238E27FC236}">
+                <a16:creationId xmlns:a16="http://schemas.microsoft.com/office/drawing/2014/main" id="{C2ACEFCA-0C6F-4777-A4BB-567F5E161C3E}"/>
+              </a:ext>
+            </a:extLst>
+          </p:cNvPr>
+          <p:cNvSpPr>
+            <a:spLocks noGrp="1"/>
+          </p:cNvSpPr>
+          <p:nvPr>
+            <p:ph idx="1"/>
+          </p:nvPr>
+        </p:nvSpPr>
+        <p:spPr>
+          <a:xfrm>
+            <a:off x="838200" y="6083559"/>
+            <a:ext cx="10515600" cy="93404"/>
+          </a:xfrm>
+        </p:spPr>
+        <p:txBody>
+          <a:bodyPr>
+            <a:normAutofit fontScale="25000" lnSpcReduction="20000"/>
+          </a:bodyPr>
+          <a:lstStyle/>
+          <a:p>
+            <a:endParaRPr lang="zh-CN" altLang="en-US" dirty="0"/>
+          </a:p>
+        </p:txBody>
+      </p:sp>
+      <p:pic>
+        <p:nvPicPr>
+          <p:cNvPr id="6" name="图片 5">
+            <a:extLst>
+              <a:ext uri="{FF2B5EF4-FFF2-40B4-BE49-F238E27FC236}">
+                <a16:creationId xmlns:a16="http://schemas.microsoft.com/office/drawing/2014/main" id="{420ED9D1-D927-42EA-9ADB-CE2621E5BA22}"/>
+              </a:ext>
+            </a:extLst>
+          </p:cNvPr>
+          <p:cNvPicPr>
+            <a:picLocks noChangeAspect="1"/>
+          </p:cNvPicPr>
+          <p:nvPr/>
+        </p:nvPicPr>
+        <p:blipFill>
+          <a:blip r:embed="rId2"/>
+          <a:stretch>
+            <a:fillRect/>
+          </a:stretch>
+        </p:blipFill>
+        <p:spPr>
+          <a:xfrm>
+            <a:off x="0" y="765110"/>
+            <a:ext cx="6560541" cy="3614372"/>
+          </a:xfrm>
+          <a:prstGeom prst="rect">
+            <a:avLst/>
+          </a:prstGeom>
+        </p:spPr>
+      </p:pic>
+      <p:sp>
+        <p:nvSpPr>
+          <p:cNvPr id="7" name="文本框 6">
+            <a:extLst>
+              <a:ext uri="{FF2B5EF4-FFF2-40B4-BE49-F238E27FC236}">
+                <a16:creationId xmlns:a16="http://schemas.microsoft.com/office/drawing/2014/main" id="{42E49BC7-9426-4310-81FE-898CCD1D606B}"/>
+              </a:ext>
+            </a:extLst>
+          </p:cNvPr>
+          <p:cNvSpPr txBox="1"/>
+          <p:nvPr/>
+        </p:nvSpPr>
+        <p:spPr>
+          <a:xfrm>
+            <a:off x="7333861" y="251927"/>
+            <a:ext cx="1772817" cy="369332"/>
+          </a:xfrm>
+          <a:prstGeom prst="rect">
+            <a:avLst/>
+          </a:prstGeom>
+          <a:noFill/>
+        </p:spPr>
+        <p:txBody>
+          <a:bodyPr wrap="square" rtlCol="0">
+            <a:spAutoFit/>
+          </a:bodyPr>
+          <a:lstStyle/>
+          <a:p>
+            <a:r>
+              <a:rPr lang="zh-CN" altLang="en-US" dirty="0"/>
+              <a:t>插入链表结点</a:t>
+            </a:r>
+          </a:p>
+        </p:txBody>
+      </p:sp>
+      <p:pic>
+        <p:nvPicPr>
+          <p:cNvPr id="8" name="图片 7">
+            <a:extLst>
+              <a:ext uri="{FF2B5EF4-FFF2-40B4-BE49-F238E27FC236}">
+                <a16:creationId xmlns:a16="http://schemas.microsoft.com/office/drawing/2014/main" id="{16F5582E-85E3-4594-89B0-232C5F09B441}"/>
+              </a:ext>
+            </a:extLst>
+          </p:cNvPr>
+          <p:cNvPicPr>
+            <a:picLocks noChangeAspect="1"/>
+          </p:cNvPicPr>
+          <p:nvPr/>
+        </p:nvPicPr>
+        <p:blipFill>
+          <a:blip r:embed="rId3"/>
+          <a:stretch>
+            <a:fillRect/>
+          </a:stretch>
+        </p:blipFill>
+        <p:spPr>
+          <a:xfrm>
+            <a:off x="6642275" y="877078"/>
+            <a:ext cx="5346328" cy="2808514"/>
+          </a:xfrm>
+          <a:prstGeom prst="rect">
+            <a:avLst/>
+          </a:prstGeom>
+        </p:spPr>
+      </p:pic>
+    </p:spTree>
+    <p:extLst>
+      <p:ext uri="{BB962C8B-B14F-4D97-AF65-F5344CB8AC3E}">
+        <p14:creationId xmlns:p14="http://schemas.microsoft.com/office/powerpoint/2010/main" val="4092898042"/>
+      </p:ext>
+    </p:extLst>
+  </p:cSld>
+  <p:clrMapOvr>
+    <a:masterClrMapping/>
+  </p:clrMapOvr>
+</p:sld>
+</file>
+
 <file path=ppt/theme/theme1.xml><?xml version="1.0" encoding="utf-8"?>
 <a:theme xmlns:a="http://schemas.openxmlformats.org/drawingml/2006/main" name="Office 主题​​">
   <a:themeElements>

--- a/20181019-20181026-张雁君.pptx
+++ b/20181019-20181026-张雁君.pptx
@@ -267,7 +267,7 @@
           <a:p>
             <a:fld id="{586B6464-ABB4-47C4-98EB-DAD22724289E}" type="datetimeFigureOut">
               <a:rPr lang="zh-CN" altLang="en-US" smtClean="0"/>
-              <a:t>2018/10/25</a:t>
+              <a:t>2018/10/26</a:t>
             </a:fld>
             <a:endParaRPr lang="zh-CN" altLang="en-US"/>
           </a:p>
@@ -465,7 +465,7 @@
           <a:p>
             <a:fld id="{586B6464-ABB4-47C4-98EB-DAD22724289E}" type="datetimeFigureOut">
               <a:rPr lang="zh-CN" altLang="en-US" smtClean="0"/>
-              <a:t>2018/10/25</a:t>
+              <a:t>2018/10/26</a:t>
             </a:fld>
             <a:endParaRPr lang="zh-CN" altLang="en-US"/>
           </a:p>
@@ -673,7 +673,7 @@
           <a:p>
             <a:fld id="{586B6464-ABB4-47C4-98EB-DAD22724289E}" type="datetimeFigureOut">
               <a:rPr lang="zh-CN" altLang="en-US" smtClean="0"/>
-              <a:t>2018/10/25</a:t>
+              <a:t>2018/10/26</a:t>
             </a:fld>
             <a:endParaRPr lang="zh-CN" altLang="en-US"/>
           </a:p>
@@ -871,7 +871,7 @@
           <a:p>
             <a:fld id="{586B6464-ABB4-47C4-98EB-DAD22724289E}" type="datetimeFigureOut">
               <a:rPr lang="zh-CN" altLang="en-US" smtClean="0"/>
-              <a:t>2018/10/25</a:t>
+              <a:t>2018/10/26</a:t>
             </a:fld>
             <a:endParaRPr lang="zh-CN" altLang="en-US"/>
           </a:p>
@@ -1146,7 +1146,7 @@
           <a:p>
             <a:fld id="{586B6464-ABB4-47C4-98EB-DAD22724289E}" type="datetimeFigureOut">
               <a:rPr lang="zh-CN" altLang="en-US" smtClean="0"/>
-              <a:t>2018/10/25</a:t>
+              <a:t>2018/10/26</a:t>
             </a:fld>
             <a:endParaRPr lang="zh-CN" altLang="en-US"/>
           </a:p>
@@ -1411,7 +1411,7 @@
           <a:p>
             <a:fld id="{586B6464-ABB4-47C4-98EB-DAD22724289E}" type="datetimeFigureOut">
               <a:rPr lang="zh-CN" altLang="en-US" smtClean="0"/>
-              <a:t>2018/10/25</a:t>
+              <a:t>2018/10/26</a:t>
             </a:fld>
             <a:endParaRPr lang="zh-CN" altLang="en-US"/>
           </a:p>
@@ -1823,7 +1823,7 @@
           <a:p>
             <a:fld id="{586B6464-ABB4-47C4-98EB-DAD22724289E}" type="datetimeFigureOut">
               <a:rPr lang="zh-CN" altLang="en-US" smtClean="0"/>
-              <a:t>2018/10/25</a:t>
+              <a:t>2018/10/26</a:t>
             </a:fld>
             <a:endParaRPr lang="zh-CN" altLang="en-US"/>
           </a:p>
@@ -1964,7 +1964,7 @@
           <a:p>
             <a:fld id="{586B6464-ABB4-47C4-98EB-DAD22724289E}" type="datetimeFigureOut">
               <a:rPr lang="zh-CN" altLang="en-US" smtClean="0"/>
-              <a:t>2018/10/25</a:t>
+              <a:t>2018/10/26</a:t>
             </a:fld>
             <a:endParaRPr lang="zh-CN" altLang="en-US"/>
           </a:p>
@@ -2077,7 +2077,7 @@
           <a:p>
             <a:fld id="{586B6464-ABB4-47C4-98EB-DAD22724289E}" type="datetimeFigureOut">
               <a:rPr lang="zh-CN" altLang="en-US" smtClean="0"/>
-              <a:t>2018/10/25</a:t>
+              <a:t>2018/10/26</a:t>
             </a:fld>
             <a:endParaRPr lang="zh-CN" altLang="en-US"/>
           </a:p>
@@ -2388,7 +2388,7 @@
           <a:p>
             <a:fld id="{586B6464-ABB4-47C4-98EB-DAD22724289E}" type="datetimeFigureOut">
               <a:rPr lang="zh-CN" altLang="en-US" smtClean="0"/>
-              <a:t>2018/10/25</a:t>
+              <a:t>2018/10/26</a:t>
             </a:fld>
             <a:endParaRPr lang="zh-CN" altLang="en-US"/>
           </a:p>
@@ -2676,7 +2676,7 @@
           <a:p>
             <a:fld id="{586B6464-ABB4-47C4-98EB-DAD22724289E}" type="datetimeFigureOut">
               <a:rPr lang="zh-CN" altLang="en-US" smtClean="0"/>
-              <a:t>2018/10/25</a:t>
+              <a:t>2018/10/26</a:t>
             </a:fld>
             <a:endParaRPr lang="zh-CN" altLang="en-US"/>
           </a:p>
@@ -2917,7 +2917,7 @@
           <a:p>
             <a:fld id="{586B6464-ABB4-47C4-98EB-DAD22724289E}" type="datetimeFigureOut">
               <a:rPr lang="zh-CN" altLang="en-US" smtClean="0"/>
-              <a:t>2018/10/25</a:t>
+              <a:t>2018/10/26</a:t>
             </a:fld>
             <a:endParaRPr lang="zh-CN" altLang="en-US"/>
           </a:p>
@@ -6146,7 +6146,7 @@
           <a:p>
             <a:r>
               <a:rPr lang="zh-CN" altLang="en-US" sz="2800" dirty="0"/>
-              <a:t>删除链表结点</a:t>
+              <a:t>删除链表结点：</a:t>
             </a:r>
           </a:p>
         </p:txBody>

--- a/20181019-20181026-张雁君.pptx
+++ b/20181019-20181026-张雁君.pptx
@@ -6205,7 +6205,7 @@
         </p:blipFill>
         <p:spPr>
           <a:xfrm>
-            <a:off x="0" y="765110"/>
+            <a:off x="81734" y="765110"/>
             <a:ext cx="6560541" cy="3614372"/>
           </a:xfrm>
           <a:prstGeom prst="rect">
@@ -6270,7 +6270,7 @@
         </p:blipFill>
         <p:spPr>
           <a:xfrm>
-            <a:off x="6642275" y="877078"/>
+            <a:off x="6763938" y="878308"/>
             <a:ext cx="5346328" cy="2808514"/>
           </a:xfrm>
           <a:prstGeom prst="rect">
